--- a/CSOF5101 Ingeniera de Software/TSP/0323PostMortemTSPCiclo2.pptx
+++ b/CSOF5101 Ingeniera de Software/TSP/0323PostMortemTSPCiclo2.pptx
@@ -14,9 +14,19 @@
     <p:sldId id="275" r:id="rId8"/>
     <p:sldId id="259" r:id="rId9"/>
     <p:sldId id="263" r:id="rId10"/>
-    <p:sldId id="262" r:id="rId11"/>
-    <p:sldId id="261" r:id="rId12"/>
-    <p:sldId id="276" r:id="rId13"/>
+    <p:sldId id="277" r:id="rId11"/>
+    <p:sldId id="280" r:id="rId12"/>
+    <p:sldId id="278" r:id="rId13"/>
+    <p:sldId id="279" r:id="rId14"/>
+    <p:sldId id="281" r:id="rId15"/>
+    <p:sldId id="282" r:id="rId16"/>
+    <p:sldId id="285" r:id="rId17"/>
+    <p:sldId id="286" r:id="rId18"/>
+    <p:sldId id="283" r:id="rId19"/>
+    <p:sldId id="284" r:id="rId20"/>
+    <p:sldId id="262" r:id="rId21"/>
+    <p:sldId id="261" r:id="rId22"/>
+    <p:sldId id="276" r:id="rId23"/>
   </p:sldIdLst>
   <p:sldSz cx="9144000" cy="6858000" type="screen4x3"/>
   <p:notesSz cx="6858000" cy="9144000"/>
@@ -121,7 +131,7 @@
 <file path=ppt/charts/chart1.xml><?xml version="1.0" encoding="utf-8"?>
 <c:chartSpace xmlns:c="http://schemas.openxmlformats.org/drawingml/2006/chart" xmlns:a="http://schemas.openxmlformats.org/drawingml/2006/main" xmlns:r="http://schemas.openxmlformats.org/officeDocument/2006/relationships">
   <c:date1904 val="1"/>
-  <c:lang val="es-CO"/>
+  <c:lang val="en-US"/>
   <c:chart>
     <c:title>
       <c:tx>
@@ -195,22 +205,22 @@
                   <c:v>0</c:v>
                 </c:pt>
                 <c:pt idx="1">
-                  <c:v>7.7235772357723595E-2</c:v>
+                  <c:v>7.7235772357723609E-2</c:v>
                 </c:pt>
                 <c:pt idx="2">
-                  <c:v>7.7235772357723595E-2</c:v>
+                  <c:v>7.7235772357723609E-2</c:v>
                 </c:pt>
                 <c:pt idx="3">
-                  <c:v>0.20121951219512202</c:v>
+                  <c:v>0.20121951219512207</c:v>
                 </c:pt>
                 <c:pt idx="4">
-                  <c:v>0.25813008130081311</c:v>
+                  <c:v>0.25813008130081316</c:v>
                 </c:pt>
                 <c:pt idx="5">
-                  <c:v>0.27032520325203263</c:v>
+                  <c:v>0.27032520325203274</c:v>
                 </c:pt>
                 <c:pt idx="6">
-                  <c:v>0.28861788617886192</c:v>
+                  <c:v>0.28861788617886197</c:v>
                 </c:pt>
               </c:numCache>
             </c:numRef>
@@ -232,13 +242,13 @@
                   <c:v>0</c:v>
                 </c:pt>
                 <c:pt idx="1">
-                  <c:v>2.8455284552845534E-2</c:v>
+                  <c:v>2.8455284552845541E-2</c:v>
                 </c:pt>
                 <c:pt idx="2">
-                  <c:v>2.8455284552845534E-2</c:v>
+                  <c:v>2.8455284552845541E-2</c:v>
                 </c:pt>
                 <c:pt idx="3">
-                  <c:v>0.15853658536585372</c:v>
+                  <c:v>0.15853658536585374</c:v>
                 </c:pt>
                 <c:pt idx="4">
                   <c:v>0.18292682926829271</c:v>
@@ -247,18 +257,18 @@
                   <c:v>0.241869918699187</c:v>
                 </c:pt>
                 <c:pt idx="6">
-                  <c:v>0.28861788617886186</c:v>
+                  <c:v>0.28861788617886192</c:v>
                 </c:pt>
               </c:numCache>
             </c:numRef>
           </c:val>
         </c:ser>
         <c:marker val="1"/>
-        <c:axId val="62538880"/>
-        <c:axId val="62540416"/>
+        <c:axId val="38403456"/>
+        <c:axId val="38470784"/>
       </c:lineChart>
       <c:catAx>
-        <c:axId val="62538880"/>
+        <c:axId val="38403456"/>
         <c:scaling>
           <c:orientation val="minMax"/>
         </c:scaling>
@@ -272,17 +282,17 @@
             <a:pPr>
               <a:defRPr lang="en-US"/>
             </a:pPr>
-            <a:endParaRPr lang="es-CO"/>
+            <a:endParaRPr lang="en-US"/>
           </a:p>
         </c:txPr>
-        <c:crossAx val="62540416"/>
+        <c:crossAx val="38470784"/>
         <c:crosses val="autoZero"/>
         <c:auto val="1"/>
         <c:lblAlgn val="ctr"/>
         <c:lblOffset val="100"/>
       </c:catAx>
       <c:valAx>
-        <c:axId val="62540416"/>
+        <c:axId val="38470784"/>
         <c:scaling>
           <c:orientation val="minMax"/>
         </c:scaling>
@@ -316,10 +326,10 @@
             <a:pPr>
               <a:defRPr lang="en-US"/>
             </a:pPr>
-            <a:endParaRPr lang="es-CO"/>
+            <a:endParaRPr lang="en-US"/>
           </a:p>
         </c:txPr>
-        <c:crossAx val="62538880"/>
+        <c:crossAx val="38403456"/>
         <c:crosses val="autoZero"/>
         <c:crossBetween val="between"/>
       </c:valAx>
@@ -335,7 +345,7 @@
             <a:pPr rtl="0">
               <a:defRPr lang="en-US"/>
             </a:pPr>
-            <a:endParaRPr lang="es-CO"/>
+            <a:endParaRPr lang="en-US"/>
           </a:p>
         </c:txPr>
       </c:dTable>
@@ -348,7 +358,7 @@
 
 <file path=ppt/charts/chart2.xml><?xml version="1.0" encoding="utf-8"?>
 <c:chartSpace xmlns:c="http://schemas.openxmlformats.org/drawingml/2006/chart" xmlns:a="http://schemas.openxmlformats.org/drawingml/2006/main" xmlns:r="http://schemas.openxmlformats.org/officeDocument/2006/relationships">
-  <c:lang val="es-CO"/>
+  <c:lang val="en-US"/>
   <c:style val="34"/>
   <c:chart>
     <c:title>
@@ -646,11 +656,11 @@
             </c:numRef>
           </c:val>
         </c:ser>
-        <c:axId val="80197120"/>
-        <c:axId val="86871424"/>
+        <c:axId val="38526976"/>
+        <c:axId val="38528896"/>
       </c:barChart>
       <c:catAx>
-        <c:axId val="80197120"/>
+        <c:axId val="38526976"/>
         <c:scaling>
           <c:orientation val="minMax"/>
         </c:scaling>
@@ -675,14 +685,14 @@
         </c:title>
         <c:numFmt formatCode="General" sourceLinked="1"/>
         <c:tickLblPos val="nextTo"/>
-        <c:crossAx val="86871424"/>
+        <c:crossAx val="38528896"/>
         <c:crosses val="autoZero"/>
         <c:auto val="1"/>
         <c:lblAlgn val="ctr"/>
         <c:lblOffset val="100"/>
       </c:catAx>
       <c:valAx>
-        <c:axId val="86871424"/>
+        <c:axId val="38528896"/>
         <c:scaling>
           <c:orientation val="minMax"/>
           <c:max val="5"/>
@@ -710,7 +720,7 @@
         </c:title>
         <c:numFmt formatCode="0.00" sourceLinked="1"/>
         <c:tickLblPos val="nextTo"/>
-        <c:crossAx val="80197120"/>
+        <c:crossAx val="38526976"/>
         <c:crosses val="autoZero"/>
         <c:crossBetween val="between"/>
       </c:valAx>
@@ -3894,7 +3904,7 @@
   <dgm:whole/>
   <dgm:extLst>
     <a:ext uri="http://schemas.microsoft.com/office/drawing/2008/diagram">
-      <dsp:dataModelExt xmlns="" xmlns:dsp="http://schemas.microsoft.com/office/drawing/2008/diagram" relId="rId7" minVer="http://schemas.openxmlformats.org/drawingml/2006/diagram"/>
+      <dsp:dataModelExt xmlns:dsp="http://schemas.microsoft.com/office/drawing/2008/diagram" xmlns="" relId="rId7" minVer="http://schemas.openxmlformats.org/drawingml/2006/diagram"/>
     </a:ext>
   </dgm:extLst>
 </dgm:dataModel>
@@ -4228,7 +4238,7 @@
   <dgm:whole/>
   <dgm:extLst>
     <a:ext uri="http://schemas.microsoft.com/office/drawing/2008/diagram">
-      <dsp:dataModelExt xmlns="" xmlns:dsp="http://schemas.microsoft.com/office/drawing/2008/diagram" relId="rId6" minVer="http://schemas.openxmlformats.org/drawingml/2006/diagram"/>
+      <dsp:dataModelExt xmlns:dsp="http://schemas.microsoft.com/office/drawing/2008/diagram" xmlns="" relId="rId6" minVer="http://schemas.openxmlformats.org/drawingml/2006/diagram"/>
     </a:ext>
   </dgm:extLst>
 </dgm:dataModel>
@@ -4405,7 +4415,7 @@
   <dgm:whole/>
   <dgm:extLst>
     <a:ext uri="http://schemas.microsoft.com/office/drawing/2008/diagram">
-      <dsp:dataModelExt xmlns="" xmlns:dsp="http://schemas.microsoft.com/office/drawing/2008/diagram" relId="rId6" minVer="http://schemas.openxmlformats.org/drawingml/2006/diagram"/>
+      <dsp:dataModelExt xmlns:dsp="http://schemas.microsoft.com/office/drawing/2008/diagram" xmlns="" relId="rId6" minVer="http://schemas.openxmlformats.org/drawingml/2006/diagram"/>
     </a:ext>
   </dgm:extLst>
 </dgm:dataModel>
@@ -13118,6 +13128,2503 @@
           <a:p>
             <a:r>
               <a:rPr lang="es-CO" sz="2400" dirty="0" smtClean="0"/>
+              <a:t>EQUIPO</a:t>
+            </a:r>
+            <a:r>
+              <a:rPr lang="es-CO" sz="2400" dirty="0" smtClean="0"/>
+              <a:t/>
+            </a:r>
+            <a:br>
+              <a:rPr lang="es-CO" sz="2400" dirty="0" smtClean="0"/>
+            </a:br>
+            <a:r>
+              <a:rPr lang="es-CO" sz="2400" dirty="0" err="1" smtClean="0"/>
+              <a:t>lider</a:t>
+            </a:r>
+            <a:r>
+              <a:rPr lang="es-CO" sz="2400" dirty="0" smtClean="0"/>
+              <a:t> de desarrollo</a:t>
+            </a:r>
+            <a:endParaRPr lang="en-US" sz="2400" dirty="0"/>
+          </a:p>
+        </p:txBody>
+      </p:sp>
+      <p:pic>
+        <p:nvPicPr>
+          <p:cNvPr id="4" name="3 Imagen" descr="ingenium-logo.png"/>
+          <p:cNvPicPr>
+            <a:picLocks noChangeAspect="1"/>
+          </p:cNvPicPr>
+          <p:nvPr/>
+        </p:nvPicPr>
+        <p:blipFill>
+          <a:blip r:embed="rId2" cstate="print"/>
+          <a:stretch>
+            <a:fillRect/>
+          </a:stretch>
+        </p:blipFill>
+        <p:spPr>
+          <a:xfrm>
+            <a:off x="5867400" y="228600"/>
+            <a:ext cx="3048006" cy="1021082"/>
+          </a:xfrm>
+          <a:prstGeom prst="rect">
+            <a:avLst/>
+          </a:prstGeom>
+        </p:spPr>
+      </p:pic>
+      <p:sp>
+        <p:nvSpPr>
+          <p:cNvPr id="8" name="7 CuadroTexto"/>
+          <p:cNvSpPr txBox="1"/>
+          <p:nvPr/>
+        </p:nvSpPr>
+        <p:spPr>
+          <a:xfrm>
+            <a:off x="228600" y="1676400"/>
+            <a:ext cx="8534400" cy="2677656"/>
+          </a:xfrm>
+          <a:prstGeom prst="rect">
+            <a:avLst/>
+          </a:prstGeom>
+          <a:noFill/>
+        </p:spPr>
+        <p:txBody>
+          <a:bodyPr wrap="square" rtlCol="0">
+            <a:spAutoFit/>
+          </a:bodyPr>
+          <a:lstStyle/>
+          <a:p>
+            <a:pPr lvl="0"/>
+            <a:r>
+              <a:rPr lang="es-CO" sz="1200" b="1" dirty="0" smtClean="0"/>
+              <a:t>Objetivos </a:t>
+            </a:r>
+            <a:r>
+              <a:rPr lang="es-CO" sz="1200" b="1" dirty="0" smtClean="0"/>
+              <a:t>Definidos por Rol</a:t>
+            </a:r>
+            <a:endParaRPr lang="en-US" sz="1200" dirty="0" smtClean="0"/>
+          </a:p>
+          <a:p>
+            <a:r>
+              <a:rPr lang="es-CO" sz="1200" dirty="0" smtClean="0"/>
+              <a:t>Estimar el número de líneas para el ciclo 2</a:t>
+            </a:r>
+            <a:br>
+              <a:rPr lang="es-CO" sz="1200" dirty="0" smtClean="0"/>
+            </a:br>
+            <a:r>
+              <a:rPr lang="es-CO" sz="1200" dirty="0" smtClean="0"/>
+              <a:t>Planear junto con el líder de planeación tareas de desarrollo</a:t>
+            </a:r>
+            <a:br>
+              <a:rPr lang="es-CO" sz="1200" dirty="0" smtClean="0"/>
+            </a:br>
+            <a:r>
+              <a:rPr lang="es-CO" sz="1200" dirty="0" smtClean="0"/>
+              <a:t>Corrección al diseño (diagrama de clases)</a:t>
+            </a:r>
+            <a:br>
+              <a:rPr lang="es-CO" sz="1200" dirty="0" smtClean="0"/>
+            </a:br>
+            <a:r>
+              <a:rPr lang="es-CO" sz="1200" dirty="0" smtClean="0"/>
+              <a:t>Diseño e implementación de pruebas ciclo 2</a:t>
+            </a:r>
+            <a:r>
+              <a:rPr lang="es-CO" sz="1200" dirty="0" smtClean="0"/>
+              <a:t>.</a:t>
+            </a:r>
+          </a:p>
+          <a:p>
+            <a:endParaRPr lang="en-US" sz="1200" dirty="0" smtClean="0"/>
+          </a:p>
+          <a:p>
+            <a:pPr lvl="0"/>
+            <a:r>
+              <a:rPr lang="es-CO" sz="1200" b="1" dirty="0" smtClean="0"/>
+              <a:t>Cumplimiento de los objetivos durante el ciclo</a:t>
+            </a:r>
+            <a:endParaRPr lang="en-US" sz="1200" dirty="0" smtClean="0"/>
+          </a:p>
+          <a:p>
+            <a:r>
+              <a:rPr lang="es-CO" sz="1200" dirty="0" smtClean="0"/>
+              <a:t>Se cumplieron los objetivos para el ciclo dos a excepción de la implementación de las pruebas en su totalidad</a:t>
+            </a:r>
+            <a:r>
+              <a:rPr lang="es-CO" sz="1200" dirty="0" smtClean="0"/>
+              <a:t>.</a:t>
+            </a:r>
+          </a:p>
+          <a:p>
+            <a:endParaRPr lang="en-US" sz="1200" dirty="0" smtClean="0"/>
+          </a:p>
+          <a:p>
+            <a:pPr lvl="0"/>
+            <a:r>
+              <a:rPr lang="es-CO" sz="1200" b="1" dirty="0" smtClean="0"/>
+              <a:t>Inconvenientes</a:t>
+            </a:r>
+            <a:endParaRPr lang="en-US" sz="1200" dirty="0" smtClean="0"/>
+          </a:p>
+          <a:p>
+            <a:r>
+              <a:rPr lang="es-CO" sz="1200" dirty="0" smtClean="0"/>
+              <a:t>Faltó implementación de pruebas unitarias en su totalidad</a:t>
+            </a:r>
+            <a:r>
+              <a:rPr lang="es-CO" sz="1200" dirty="0" smtClean="0"/>
+              <a:t>.</a:t>
+            </a:r>
+          </a:p>
+          <a:p>
+            <a:endParaRPr lang="en-US" sz="1200" dirty="0" smtClean="0"/>
+          </a:p>
+          <a:p>
+            <a:pPr lvl="0"/>
+            <a:r>
+              <a:rPr lang="es-CO" sz="1200" b="1" dirty="0" smtClean="0"/>
+              <a:t>Aspectos a </a:t>
+            </a:r>
+            <a:r>
+              <a:rPr lang="es-CO" sz="1200" b="1" dirty="0" smtClean="0"/>
+              <a:t>Mejorar</a:t>
+            </a:r>
+          </a:p>
+          <a:p>
+            <a:r>
+              <a:rPr lang="es-CO" sz="1200" dirty="0" smtClean="0"/>
+              <a:t>Distribución </a:t>
+            </a:r>
+            <a:r>
+              <a:rPr lang="es-CO" sz="1200" dirty="0" smtClean="0"/>
+              <a:t>de la carga de trabajo</a:t>
+            </a:r>
+            <a:r>
+              <a:rPr lang="es-CO" sz="1200" dirty="0" smtClean="0"/>
+              <a:t>.</a:t>
+            </a:r>
+          </a:p>
+        </p:txBody>
+      </p:sp>
+    </p:spTree>
+  </p:cSld>
+  <p:clrMapOvr>
+    <a:masterClrMapping/>
+  </p:clrMapOvr>
+  <p:timing>
+    <p:tnLst>
+      <p:par>
+        <p:cTn id="1" dur="indefinite" restart="never" nodeType="tmRoot"/>
+      </p:par>
+    </p:tnLst>
+  </p:timing>
+</p:sld>
+</file>
+
+<file path=ppt/slides/slide11.xml><?xml version="1.0" encoding="utf-8"?>
+<p:sld xmlns:a="http://schemas.openxmlformats.org/drawingml/2006/main" xmlns:r="http://schemas.openxmlformats.org/officeDocument/2006/relationships" xmlns:p="http://schemas.openxmlformats.org/presentationml/2006/main">
+  <p:cSld>
+    <p:spTree>
+      <p:nvGrpSpPr>
+        <p:cNvPr id="1" name=""/>
+        <p:cNvGrpSpPr/>
+        <p:nvPr/>
+      </p:nvGrpSpPr>
+      <p:grpSpPr>
+        <a:xfrm>
+          <a:off x="0" y="0"/>
+          <a:ext cx="0" cy="0"/>
+          <a:chOff x="0" y="0"/>
+          <a:chExt cx="0" cy="0"/>
+        </a:xfrm>
+      </p:grpSpPr>
+      <p:sp>
+        <p:nvSpPr>
+          <p:cNvPr id="2" name="1 Título"/>
+          <p:cNvSpPr>
+            <a:spLocks noGrp="1"/>
+          </p:cNvSpPr>
+          <p:nvPr>
+            <p:ph type="title"/>
+          </p:nvPr>
+        </p:nvSpPr>
+        <p:spPr/>
+        <p:txBody>
+          <a:bodyPr>
+            <a:normAutofit/>
+          </a:bodyPr>
+          <a:lstStyle/>
+          <a:p>
+            <a:r>
+              <a:rPr lang="es-CO" sz="2400" dirty="0" smtClean="0"/>
+              <a:t>EQUIPO</a:t>
+            </a:r>
+            <a:r>
+              <a:rPr lang="es-CO" sz="2400" dirty="0" smtClean="0"/>
+              <a:t/>
+            </a:r>
+            <a:br>
+              <a:rPr lang="es-CO" sz="2400" dirty="0" smtClean="0"/>
+            </a:br>
+            <a:r>
+              <a:rPr lang="es-CO" sz="2400" dirty="0" err="1" smtClean="0"/>
+              <a:t>lider</a:t>
+            </a:r>
+            <a:r>
+              <a:rPr lang="es-CO" sz="2400" dirty="0" smtClean="0"/>
+              <a:t> de desarrollo</a:t>
+            </a:r>
+            <a:endParaRPr lang="en-US" sz="2400" dirty="0"/>
+          </a:p>
+        </p:txBody>
+      </p:sp>
+      <p:pic>
+        <p:nvPicPr>
+          <p:cNvPr id="4" name="3 Imagen" descr="ingenium-logo.png"/>
+          <p:cNvPicPr>
+            <a:picLocks noChangeAspect="1"/>
+          </p:cNvPicPr>
+          <p:nvPr/>
+        </p:nvPicPr>
+        <p:blipFill>
+          <a:blip r:embed="rId2" cstate="print"/>
+          <a:stretch>
+            <a:fillRect/>
+          </a:stretch>
+        </p:blipFill>
+        <p:spPr>
+          <a:xfrm>
+            <a:off x="5867400" y="228600"/>
+            <a:ext cx="3048006" cy="1021082"/>
+          </a:xfrm>
+          <a:prstGeom prst="rect">
+            <a:avLst/>
+          </a:prstGeom>
+        </p:spPr>
+      </p:pic>
+      <p:sp>
+        <p:nvSpPr>
+          <p:cNvPr id="8" name="7 CuadroTexto"/>
+          <p:cNvSpPr txBox="1"/>
+          <p:nvPr/>
+        </p:nvSpPr>
+        <p:spPr>
+          <a:xfrm>
+            <a:off x="228600" y="1676400"/>
+            <a:ext cx="8534400" cy="2523768"/>
+          </a:xfrm>
+          <a:prstGeom prst="rect">
+            <a:avLst/>
+          </a:prstGeom>
+          <a:noFill/>
+        </p:spPr>
+        <p:txBody>
+          <a:bodyPr wrap="square" rtlCol="0">
+            <a:spAutoFit/>
+          </a:bodyPr>
+          <a:lstStyle/>
+          <a:p>
+            <a:pPr lvl="0"/>
+            <a:endParaRPr lang="es-CO" sz="1200" b="1" dirty="0" smtClean="0"/>
+          </a:p>
+          <a:p>
+            <a:pPr lvl="0"/>
+            <a:r>
+              <a:rPr lang="es-CO" sz="1200" b="1" dirty="0" smtClean="0"/>
+              <a:t>¿</a:t>
+            </a:r>
+            <a:r>
+              <a:rPr lang="es-CO" sz="1200" b="1" dirty="0" smtClean="0"/>
+              <a:t>Qué nos faltó como grupo en este ciclo</a:t>
+            </a:r>
+            <a:r>
+              <a:rPr lang="es-CO" sz="1200" b="1" dirty="0" smtClean="0"/>
+              <a:t>?</a:t>
+            </a:r>
+          </a:p>
+          <a:p>
+            <a:r>
+              <a:rPr lang="es-CO" sz="1200" dirty="0" smtClean="0"/>
+              <a:t>Más </a:t>
+            </a:r>
+            <a:r>
+              <a:rPr lang="es-CO" sz="1200" dirty="0" smtClean="0"/>
+              <a:t>cohesión como grupo. </a:t>
+            </a:r>
+            <a:endParaRPr lang="es-CO" sz="1200" dirty="0" smtClean="0"/>
+          </a:p>
+          <a:p>
+            <a:endParaRPr lang="en-US" sz="1200" dirty="0" smtClean="0"/>
+          </a:p>
+          <a:p>
+            <a:pPr lvl="0"/>
+            <a:r>
+              <a:rPr lang="es-CO" sz="1200" b="1" dirty="0" smtClean="0"/>
+              <a:t>¿Cómo debería ser el proceso en el próximo ciclo</a:t>
+            </a:r>
+            <a:r>
+              <a:rPr lang="es-CO" sz="1200" b="1" dirty="0" smtClean="0"/>
+              <a:t>?</a:t>
+            </a:r>
+          </a:p>
+          <a:p>
+            <a:r>
+              <a:rPr lang="es-CO" sz="1200" dirty="0" smtClean="0"/>
+              <a:t>Repartición </a:t>
+            </a:r>
+            <a:r>
+              <a:rPr lang="es-CO" sz="1200" dirty="0" smtClean="0"/>
+              <a:t>más equitativa de trabajo.</a:t>
+            </a:r>
+            <a:br>
+              <a:rPr lang="es-CO" sz="1200" dirty="0" smtClean="0"/>
+            </a:br>
+            <a:r>
+              <a:rPr lang="es-CO" sz="1200" dirty="0" smtClean="0"/>
+              <a:t>Más ordenado</a:t>
+            </a:r>
+            <a:r>
+              <a:rPr lang="es-CO" sz="1200" dirty="0" smtClean="0"/>
+              <a:t>.</a:t>
+            </a:r>
+            <a:r>
+              <a:rPr lang="es-CO" sz="1200" b="1" dirty="0" smtClean="0"/>
+              <a:t> </a:t>
+            </a:r>
+            <a:endParaRPr lang="es-CO" sz="1200" b="1" dirty="0" smtClean="0"/>
+          </a:p>
+          <a:p>
+            <a:endParaRPr lang="en-US" sz="1200" dirty="0" smtClean="0"/>
+          </a:p>
+          <a:p>
+            <a:pPr lvl="0"/>
+            <a:r>
+              <a:rPr lang="es-CO" sz="1200" b="1" dirty="0" smtClean="0"/>
+              <a:t>¿Qué etapas fueron las más difíciles? Porqué</a:t>
+            </a:r>
+            <a:r>
+              <a:rPr lang="es-CO" sz="1200" b="1" dirty="0" smtClean="0"/>
+              <a:t>?</a:t>
+            </a:r>
+            <a:endParaRPr lang="en-US" sz="1200" dirty="0" smtClean="0"/>
+          </a:p>
+          <a:p>
+            <a:r>
+              <a:rPr lang="es-CO" sz="1200" dirty="0" smtClean="0"/>
+              <a:t>Planeación. La distribución de las tareas es complicada por la falta de tiempo de los integrantes del grupo</a:t>
+            </a:r>
+            <a:r>
+              <a:rPr lang="es-CO" sz="1200" dirty="0" smtClean="0"/>
+              <a:t>.</a:t>
+            </a:r>
+            <a:r>
+              <a:rPr lang="es-CO" sz="1200" b="1" dirty="0" smtClean="0"/>
+              <a:t> </a:t>
+            </a:r>
+            <a:endParaRPr lang="en-US" sz="1200" dirty="0" smtClean="0"/>
+          </a:p>
+          <a:p>
+            <a:pPr lvl="0"/>
+            <a:r>
+              <a:rPr lang="es-CO" sz="1200" b="1" dirty="0" smtClean="0"/>
+              <a:t>¿Qué no me gustó del ciclo?</a:t>
+            </a:r>
+            <a:endParaRPr lang="en-US" sz="1200" dirty="0" smtClean="0"/>
+          </a:p>
+          <a:p>
+            <a:r>
+              <a:rPr lang="es-CO" sz="1200" dirty="0" smtClean="0"/>
+              <a:t>Falta de tiempo para realizar el ciclo de una manera más ordenada</a:t>
+            </a:r>
+            <a:endParaRPr lang="en-US" sz="1200" dirty="0" smtClean="0"/>
+          </a:p>
+          <a:p>
+            <a:endParaRPr lang="en-US" sz="1400" dirty="0"/>
+          </a:p>
+        </p:txBody>
+      </p:sp>
+    </p:spTree>
+  </p:cSld>
+  <p:clrMapOvr>
+    <a:masterClrMapping/>
+  </p:clrMapOvr>
+  <p:timing>
+    <p:tnLst>
+      <p:par>
+        <p:cTn id="1" dur="indefinite" restart="never" nodeType="tmRoot"/>
+      </p:par>
+    </p:tnLst>
+  </p:timing>
+</p:sld>
+</file>
+
+<file path=ppt/slides/slide12.xml><?xml version="1.0" encoding="utf-8"?>
+<p:sld xmlns:a="http://schemas.openxmlformats.org/drawingml/2006/main" xmlns:r="http://schemas.openxmlformats.org/officeDocument/2006/relationships" xmlns:p="http://schemas.openxmlformats.org/presentationml/2006/main">
+  <p:cSld>
+    <p:spTree>
+      <p:nvGrpSpPr>
+        <p:cNvPr id="1" name=""/>
+        <p:cNvGrpSpPr/>
+        <p:nvPr/>
+      </p:nvGrpSpPr>
+      <p:grpSpPr>
+        <a:xfrm>
+          <a:off x="0" y="0"/>
+          <a:ext cx="0" cy="0"/>
+          <a:chOff x="0" y="0"/>
+          <a:chExt cx="0" cy="0"/>
+        </a:xfrm>
+      </p:grpSpPr>
+      <p:sp>
+        <p:nvSpPr>
+          <p:cNvPr id="2" name="1 Título"/>
+          <p:cNvSpPr>
+            <a:spLocks noGrp="1"/>
+          </p:cNvSpPr>
+          <p:nvPr>
+            <p:ph type="title"/>
+          </p:nvPr>
+        </p:nvSpPr>
+        <p:spPr/>
+        <p:txBody>
+          <a:bodyPr>
+            <a:normAutofit/>
+          </a:bodyPr>
+          <a:lstStyle/>
+          <a:p>
+            <a:r>
+              <a:rPr lang="es-CO" sz="2400" dirty="0" smtClean="0"/>
+              <a:t>EQUIPO</a:t>
+            </a:r>
+            <a:r>
+              <a:rPr lang="es-CO" sz="2400" dirty="0" smtClean="0"/>
+              <a:t/>
+            </a:r>
+            <a:br>
+              <a:rPr lang="es-CO" sz="2400" dirty="0" smtClean="0"/>
+            </a:br>
+            <a:r>
+              <a:rPr lang="es-CO" sz="2400" dirty="0" err="1" smtClean="0"/>
+              <a:t>lider</a:t>
+            </a:r>
+            <a:r>
+              <a:rPr lang="es-CO" sz="2400" dirty="0" smtClean="0"/>
+              <a:t> de soporte</a:t>
+            </a:r>
+            <a:endParaRPr lang="en-US" sz="2400" dirty="0"/>
+          </a:p>
+        </p:txBody>
+      </p:sp>
+      <p:pic>
+        <p:nvPicPr>
+          <p:cNvPr id="4" name="3 Imagen" descr="ingenium-logo.png"/>
+          <p:cNvPicPr>
+            <a:picLocks noChangeAspect="1"/>
+          </p:cNvPicPr>
+          <p:nvPr/>
+        </p:nvPicPr>
+        <p:blipFill>
+          <a:blip r:embed="rId2" cstate="print"/>
+          <a:stretch>
+            <a:fillRect/>
+          </a:stretch>
+        </p:blipFill>
+        <p:spPr>
+          <a:xfrm>
+            <a:off x="5867400" y="228600"/>
+            <a:ext cx="3048006" cy="1021082"/>
+          </a:xfrm>
+          <a:prstGeom prst="rect">
+            <a:avLst/>
+          </a:prstGeom>
+        </p:spPr>
+      </p:pic>
+      <p:sp>
+        <p:nvSpPr>
+          <p:cNvPr id="8" name="7 CuadroTexto"/>
+          <p:cNvSpPr txBox="1"/>
+          <p:nvPr/>
+        </p:nvSpPr>
+        <p:spPr>
+          <a:xfrm>
+            <a:off x="228600" y="1676400"/>
+            <a:ext cx="8534400" cy="3416320"/>
+          </a:xfrm>
+          <a:prstGeom prst="rect">
+            <a:avLst/>
+          </a:prstGeom>
+          <a:noFill/>
+        </p:spPr>
+        <p:txBody>
+          <a:bodyPr wrap="square" rtlCol="0">
+            <a:spAutoFit/>
+          </a:bodyPr>
+          <a:lstStyle/>
+          <a:p>
+            <a:pPr lvl="0"/>
+            <a:r>
+              <a:rPr lang="es-CO" sz="1200" b="1" dirty="0" smtClean="0"/>
+              <a:t>Objetivos Definidos por Rol</a:t>
+            </a:r>
+            <a:endParaRPr lang="en-US" sz="1200" dirty="0" smtClean="0"/>
+          </a:p>
+          <a:p>
+            <a:r>
+              <a:rPr lang="es-CO" sz="1200" dirty="0" smtClean="0"/>
+              <a:t>Establecer las herramientas que se usaran en todo el proceso de desarrollo del proyecto TSP.</a:t>
+            </a:r>
+            <a:br>
+              <a:rPr lang="es-CO" sz="1200" dirty="0" smtClean="0"/>
+            </a:br>
+            <a:r>
+              <a:rPr lang="es-CO" sz="1200" dirty="0" smtClean="0"/>
+              <a:t>Resolver los posibles inconvenientes presentados por las plataformas y herramientas seleccionadas.</a:t>
+            </a:r>
+            <a:endParaRPr lang="en-US" sz="1200" dirty="0" smtClean="0"/>
+          </a:p>
+          <a:p>
+            <a:r>
+              <a:rPr lang="es-CO" sz="1200" b="1" dirty="0" smtClean="0"/>
+              <a:t> </a:t>
+            </a:r>
+            <a:endParaRPr lang="en-US" sz="1200" dirty="0" smtClean="0"/>
+          </a:p>
+          <a:p>
+            <a:pPr lvl="0"/>
+            <a:r>
+              <a:rPr lang="es-CO" sz="1200" b="1" dirty="0" smtClean="0"/>
+              <a:t>Cumplimiento de los objetivos durante el ciclo</a:t>
+            </a:r>
+            <a:endParaRPr lang="en-US" sz="1200" dirty="0" smtClean="0"/>
+          </a:p>
+          <a:p>
+            <a:r>
+              <a:rPr lang="es-CO" sz="1200" dirty="0" smtClean="0"/>
+              <a:t>Se continuo con el uso las herramientas previamente definidas</a:t>
+            </a:r>
+            <a:br>
+              <a:rPr lang="es-CO" sz="1200" dirty="0" smtClean="0"/>
+            </a:br>
+            <a:r>
+              <a:rPr lang="es-CO" sz="1200" dirty="0" smtClean="0"/>
+              <a:t>Se hizo una búsqueda acerca de otras herramientas necesarias para el desarrollo del proyecto TSP</a:t>
+            </a:r>
+            <a:endParaRPr lang="en-US" sz="1200" dirty="0" smtClean="0"/>
+          </a:p>
+          <a:p>
+            <a:r>
+              <a:rPr lang="es-CO" sz="1200" b="1" dirty="0" smtClean="0"/>
+              <a:t> </a:t>
+            </a:r>
+            <a:endParaRPr lang="en-US" sz="1200" dirty="0" smtClean="0"/>
+          </a:p>
+          <a:p>
+            <a:pPr lvl="0"/>
+            <a:r>
+              <a:rPr lang="es-CO" sz="1200" b="1" dirty="0" smtClean="0"/>
+              <a:t>Inconvenientes</a:t>
+            </a:r>
+            <a:endParaRPr lang="en-US" sz="1200" dirty="0" smtClean="0"/>
+          </a:p>
+          <a:p>
+            <a:r>
+              <a:rPr lang="es-CO" sz="1200" dirty="0" smtClean="0"/>
+              <a:t>Han existido algunos inconvenientes con el uso del repositorio en algunos de los miembros del equipo los cuales no se han podido solucionar.</a:t>
+            </a:r>
+            <a:br>
+              <a:rPr lang="es-CO" sz="1200" dirty="0" smtClean="0"/>
+            </a:br>
+            <a:r>
+              <a:rPr lang="es-CO" sz="1200" dirty="0" smtClean="0"/>
+              <a:t>No se contó con que algunas funciones del repositorio de </a:t>
+            </a:r>
+            <a:r>
+              <a:rPr lang="es-CO" sz="1200" dirty="0" err="1" smtClean="0"/>
+              <a:t>Subversion</a:t>
+            </a:r>
+            <a:r>
+              <a:rPr lang="es-CO" sz="1200" dirty="0" smtClean="0"/>
+              <a:t> no están soportadas por el servidor de </a:t>
+            </a:r>
+            <a:r>
+              <a:rPr lang="es-CO" sz="1200" dirty="0" err="1" smtClean="0"/>
+              <a:t>hosting</a:t>
+            </a:r>
+            <a:endParaRPr lang="en-US" sz="1200" dirty="0" smtClean="0"/>
+          </a:p>
+          <a:p>
+            <a:r>
+              <a:rPr lang="es-CO" sz="1200" b="1" dirty="0" smtClean="0"/>
+              <a:t> </a:t>
+            </a:r>
+            <a:endParaRPr lang="en-US" sz="1200" dirty="0" smtClean="0"/>
+          </a:p>
+          <a:p>
+            <a:pPr lvl="0"/>
+            <a:r>
+              <a:rPr lang="es-CO" sz="1200" b="1" dirty="0" smtClean="0"/>
+              <a:t>Aspectos a Mejorar</a:t>
+            </a:r>
+            <a:endParaRPr lang="en-US" sz="1200" dirty="0" smtClean="0"/>
+          </a:p>
+          <a:p>
+            <a:r>
+              <a:rPr lang="es-CO" sz="1200" dirty="0" smtClean="0"/>
+              <a:t>Buscar soluciones a los problemas de repositorio en los miembros del equipo.</a:t>
+            </a:r>
+            <a:br>
+              <a:rPr lang="es-CO" sz="1200" dirty="0" smtClean="0"/>
+            </a:br>
+            <a:r>
+              <a:rPr lang="es-CO" sz="1200" dirty="0" smtClean="0"/>
+              <a:t>Investigar sobre mas herramientas que puedan incrementar el valor ganado del proyecto, así como aumentar la productividad del equipo</a:t>
+            </a:r>
+            <a:endParaRPr lang="en-US" sz="1200" dirty="0" smtClean="0"/>
+          </a:p>
+          <a:p>
+            <a:r>
+              <a:rPr lang="es-CO" sz="1200" b="1" dirty="0" smtClean="0"/>
+              <a:t> </a:t>
+            </a:r>
+            <a:endParaRPr lang="en-US" sz="1200" dirty="0" smtClean="0"/>
+          </a:p>
+        </p:txBody>
+      </p:sp>
+    </p:spTree>
+  </p:cSld>
+  <p:clrMapOvr>
+    <a:masterClrMapping/>
+  </p:clrMapOvr>
+  <p:timing>
+    <p:tnLst>
+      <p:par>
+        <p:cTn id="1" dur="indefinite" restart="never" nodeType="tmRoot"/>
+      </p:par>
+    </p:tnLst>
+  </p:timing>
+</p:sld>
+</file>
+
+<file path=ppt/slides/slide13.xml><?xml version="1.0" encoding="utf-8"?>
+<p:sld xmlns:a="http://schemas.openxmlformats.org/drawingml/2006/main" xmlns:r="http://schemas.openxmlformats.org/officeDocument/2006/relationships" xmlns:p="http://schemas.openxmlformats.org/presentationml/2006/main">
+  <p:cSld>
+    <p:spTree>
+      <p:nvGrpSpPr>
+        <p:cNvPr id="1" name=""/>
+        <p:cNvGrpSpPr/>
+        <p:nvPr/>
+      </p:nvGrpSpPr>
+      <p:grpSpPr>
+        <a:xfrm>
+          <a:off x="0" y="0"/>
+          <a:ext cx="0" cy="0"/>
+          <a:chOff x="0" y="0"/>
+          <a:chExt cx="0" cy="0"/>
+        </a:xfrm>
+      </p:grpSpPr>
+      <p:sp>
+        <p:nvSpPr>
+          <p:cNvPr id="2" name="1 Título"/>
+          <p:cNvSpPr>
+            <a:spLocks noGrp="1"/>
+          </p:cNvSpPr>
+          <p:nvPr>
+            <p:ph type="title"/>
+          </p:nvPr>
+        </p:nvSpPr>
+        <p:spPr/>
+        <p:txBody>
+          <a:bodyPr>
+            <a:normAutofit/>
+          </a:bodyPr>
+          <a:lstStyle/>
+          <a:p>
+            <a:r>
+              <a:rPr lang="es-CO" sz="2400" dirty="0" smtClean="0"/>
+              <a:t>EQUIPO</a:t>
+            </a:r>
+            <a:r>
+              <a:rPr lang="es-CO" sz="2400" dirty="0" smtClean="0"/>
+              <a:t/>
+            </a:r>
+            <a:br>
+              <a:rPr lang="es-CO" sz="2400" dirty="0" smtClean="0"/>
+            </a:br>
+            <a:r>
+              <a:rPr lang="es-CO" sz="2400" dirty="0" err="1" smtClean="0"/>
+              <a:t>lider</a:t>
+            </a:r>
+            <a:r>
+              <a:rPr lang="es-CO" sz="2400" dirty="0" smtClean="0"/>
+              <a:t> de soporte</a:t>
+            </a:r>
+            <a:endParaRPr lang="en-US" sz="2400" dirty="0"/>
+          </a:p>
+        </p:txBody>
+      </p:sp>
+      <p:pic>
+        <p:nvPicPr>
+          <p:cNvPr id="4" name="3 Imagen" descr="ingenium-logo.png"/>
+          <p:cNvPicPr>
+            <a:picLocks noChangeAspect="1"/>
+          </p:cNvPicPr>
+          <p:nvPr/>
+        </p:nvPicPr>
+        <p:blipFill>
+          <a:blip r:embed="rId2" cstate="print"/>
+          <a:stretch>
+            <a:fillRect/>
+          </a:stretch>
+        </p:blipFill>
+        <p:spPr>
+          <a:xfrm>
+            <a:off x="5867400" y="228600"/>
+            <a:ext cx="3048006" cy="1021082"/>
+          </a:xfrm>
+          <a:prstGeom prst="rect">
+            <a:avLst/>
+          </a:prstGeom>
+        </p:spPr>
+      </p:pic>
+      <p:sp>
+        <p:nvSpPr>
+          <p:cNvPr id="8" name="7 CuadroTexto"/>
+          <p:cNvSpPr txBox="1"/>
+          <p:nvPr/>
+        </p:nvSpPr>
+        <p:spPr>
+          <a:xfrm>
+            <a:off x="228600" y="1676400"/>
+            <a:ext cx="8534400" cy="3046988"/>
+          </a:xfrm>
+          <a:prstGeom prst="rect">
+            <a:avLst/>
+          </a:prstGeom>
+          <a:noFill/>
+        </p:spPr>
+        <p:txBody>
+          <a:bodyPr wrap="square" rtlCol="0">
+            <a:spAutoFit/>
+          </a:bodyPr>
+          <a:lstStyle/>
+          <a:p>
+            <a:pPr lvl="0"/>
+            <a:r>
+              <a:rPr lang="es-CO" sz="1200" b="1" dirty="0" smtClean="0"/>
+              <a:t>¿</a:t>
+            </a:r>
+            <a:r>
+              <a:rPr lang="es-CO" sz="1200" b="1" dirty="0" smtClean="0"/>
+              <a:t>Qué nos faltó como grupo en este ciclo?</a:t>
+            </a:r>
+            <a:endParaRPr lang="en-US" sz="1200" dirty="0" smtClean="0"/>
+          </a:p>
+          <a:p>
+            <a:r>
+              <a:rPr lang="es-CO" sz="1200" dirty="0" smtClean="0"/>
+              <a:t>Más Tiempo para poder dedicarle al proyecto</a:t>
+            </a:r>
+            <a:endParaRPr lang="en-US" sz="1200" dirty="0" smtClean="0"/>
+          </a:p>
+          <a:p>
+            <a:pPr lvl="0"/>
+            <a:r>
+              <a:rPr lang="es-CO" sz="1200" b="1" dirty="0" smtClean="0"/>
+              <a:t>¿Cómo debería ser el proceso en el próximo ciclo?</a:t>
+            </a:r>
+            <a:endParaRPr lang="en-US" sz="1200" dirty="0" smtClean="0"/>
+          </a:p>
+          <a:p>
+            <a:r>
+              <a:rPr lang="es-CO" sz="1200" dirty="0" smtClean="0"/>
+              <a:t>Mas organizado y más  equilibrado</a:t>
+            </a:r>
+            <a:r>
+              <a:rPr lang="es-CO" sz="1200" dirty="0" smtClean="0"/>
+              <a:t>.</a:t>
+            </a:r>
+          </a:p>
+          <a:p>
+            <a:endParaRPr lang="en-US" sz="1200" dirty="0" smtClean="0"/>
+          </a:p>
+          <a:p>
+            <a:pPr lvl="0"/>
+            <a:r>
+              <a:rPr lang="es-CO" sz="1200" b="1" dirty="0" smtClean="0"/>
+              <a:t>¿Qué etapas fueron las más difíciles? Porqué</a:t>
+            </a:r>
+            <a:r>
+              <a:rPr lang="es-CO" sz="1200" b="1" dirty="0" smtClean="0"/>
+              <a:t>?</a:t>
+            </a:r>
+          </a:p>
+          <a:p>
+            <a:pPr lvl="0"/>
+            <a:endParaRPr lang="en-US" sz="1200" dirty="0" smtClean="0"/>
+          </a:p>
+          <a:p>
+            <a:r>
+              <a:rPr lang="es-CO" sz="1200" dirty="0" smtClean="0"/>
+              <a:t>La realimentación del ciclo 1 puesto que existieron varios aspectos que se considero se habían desarrollado de la manera correcta, pero después de la </a:t>
+            </a:r>
+            <a:r>
+              <a:rPr lang="es-CO" sz="1200" dirty="0" smtClean="0"/>
+              <a:t>finalización </a:t>
+            </a:r>
+            <a:r>
+              <a:rPr lang="es-CO" sz="1200" dirty="0" smtClean="0"/>
+              <a:t>del ciclo nos percatamos que teníamos ciertos faltantes en algunos temas y que habíamos incluido otros que no eran realmente necesarios.</a:t>
+            </a:r>
+            <a:br>
+              <a:rPr lang="es-CO" sz="1200" dirty="0" smtClean="0"/>
+            </a:br>
+            <a:r>
+              <a:rPr lang="es-CO" sz="1200" dirty="0" smtClean="0"/>
+              <a:t/>
+            </a:r>
+            <a:br>
+              <a:rPr lang="es-CO" sz="1200" dirty="0" smtClean="0"/>
+            </a:br>
+            <a:r>
+              <a:rPr lang="es-CO" sz="1200" dirty="0" smtClean="0"/>
+              <a:t>La definición de la estrategia, pues debido a la realimentación del ciclo 1 hubo que redefinir ciertos puntos, no técnicos, sino mas bien conceptuales</a:t>
+            </a:r>
+            <a:endParaRPr lang="en-US" sz="1200" dirty="0" smtClean="0"/>
+          </a:p>
+          <a:p>
+            <a:r>
+              <a:rPr lang="es-CO" sz="1200" b="1" dirty="0" smtClean="0"/>
+              <a:t> </a:t>
+            </a:r>
+            <a:endParaRPr lang="en-US" sz="1200" dirty="0" smtClean="0"/>
+          </a:p>
+          <a:p>
+            <a:pPr lvl="0"/>
+            <a:r>
+              <a:rPr lang="es-CO" sz="1200" b="1" dirty="0" smtClean="0"/>
+              <a:t>¿Qué no me gustó del ciclo?</a:t>
+            </a:r>
+            <a:endParaRPr lang="en-US" sz="1200" dirty="0" smtClean="0"/>
+          </a:p>
+          <a:p>
+            <a:r>
+              <a:rPr lang="es-CO" sz="1200" dirty="0" smtClean="0"/>
+              <a:t>Aparte de la escasez de tiempo, el ciclo se desarrollo.</a:t>
+            </a:r>
+            <a:endParaRPr lang="en-US" sz="1200" dirty="0"/>
+          </a:p>
+        </p:txBody>
+      </p:sp>
+    </p:spTree>
+  </p:cSld>
+  <p:clrMapOvr>
+    <a:masterClrMapping/>
+  </p:clrMapOvr>
+  <p:timing>
+    <p:tnLst>
+      <p:par>
+        <p:cTn id="1" dur="indefinite" restart="never" nodeType="tmRoot"/>
+      </p:par>
+    </p:tnLst>
+  </p:timing>
+</p:sld>
+</file>
+
+<file path=ppt/slides/slide14.xml><?xml version="1.0" encoding="utf-8"?>
+<p:sld xmlns:a="http://schemas.openxmlformats.org/drawingml/2006/main" xmlns:r="http://schemas.openxmlformats.org/officeDocument/2006/relationships" xmlns:p="http://schemas.openxmlformats.org/presentationml/2006/main">
+  <p:cSld>
+    <p:spTree>
+      <p:nvGrpSpPr>
+        <p:cNvPr id="1" name=""/>
+        <p:cNvGrpSpPr/>
+        <p:nvPr/>
+      </p:nvGrpSpPr>
+      <p:grpSpPr>
+        <a:xfrm>
+          <a:off x="0" y="0"/>
+          <a:ext cx="0" cy="0"/>
+          <a:chOff x="0" y="0"/>
+          <a:chExt cx="0" cy="0"/>
+        </a:xfrm>
+      </p:grpSpPr>
+      <p:sp>
+        <p:nvSpPr>
+          <p:cNvPr id="2" name="1 Título"/>
+          <p:cNvSpPr>
+            <a:spLocks noGrp="1"/>
+          </p:cNvSpPr>
+          <p:nvPr>
+            <p:ph type="title"/>
+          </p:nvPr>
+        </p:nvSpPr>
+        <p:spPr/>
+        <p:txBody>
+          <a:bodyPr>
+            <a:normAutofit/>
+          </a:bodyPr>
+          <a:lstStyle/>
+          <a:p>
+            <a:r>
+              <a:rPr lang="es-CO" sz="2400" dirty="0" smtClean="0"/>
+              <a:t>EQUIPO</a:t>
+            </a:r>
+            <a:r>
+              <a:rPr lang="es-CO" sz="2400" dirty="0" smtClean="0"/>
+              <a:t/>
+            </a:r>
+            <a:br>
+              <a:rPr lang="es-CO" sz="2400" dirty="0" smtClean="0"/>
+            </a:br>
+            <a:r>
+              <a:rPr lang="es-CO" sz="2400" dirty="0" err="1" smtClean="0"/>
+              <a:t>lider</a:t>
+            </a:r>
+            <a:r>
+              <a:rPr lang="es-CO" sz="2400" dirty="0" smtClean="0"/>
+              <a:t> de planeación</a:t>
+            </a:r>
+            <a:endParaRPr lang="en-US" sz="2400" dirty="0"/>
+          </a:p>
+        </p:txBody>
+      </p:sp>
+      <p:pic>
+        <p:nvPicPr>
+          <p:cNvPr id="4" name="3 Imagen" descr="ingenium-logo.png"/>
+          <p:cNvPicPr>
+            <a:picLocks noChangeAspect="1"/>
+          </p:cNvPicPr>
+          <p:nvPr/>
+        </p:nvPicPr>
+        <p:blipFill>
+          <a:blip r:embed="rId2" cstate="print"/>
+          <a:stretch>
+            <a:fillRect/>
+          </a:stretch>
+        </p:blipFill>
+        <p:spPr>
+          <a:xfrm>
+            <a:off x="5867400" y="228600"/>
+            <a:ext cx="3048006" cy="1021082"/>
+          </a:xfrm>
+          <a:prstGeom prst="rect">
+            <a:avLst/>
+          </a:prstGeom>
+        </p:spPr>
+      </p:pic>
+      <p:sp>
+        <p:nvSpPr>
+          <p:cNvPr id="8" name="7 CuadroTexto"/>
+          <p:cNvSpPr txBox="1"/>
+          <p:nvPr/>
+        </p:nvSpPr>
+        <p:spPr>
+          <a:xfrm>
+            <a:off x="228600" y="1676400"/>
+            <a:ext cx="8534400" cy="2492990"/>
+          </a:xfrm>
+          <a:prstGeom prst="rect">
+            <a:avLst/>
+          </a:prstGeom>
+          <a:noFill/>
+        </p:spPr>
+        <p:txBody>
+          <a:bodyPr wrap="square" rtlCol="0">
+            <a:spAutoFit/>
+          </a:bodyPr>
+          <a:lstStyle/>
+          <a:p>
+            <a:pPr lvl="0"/>
+            <a:r>
+              <a:rPr lang="es-CO" sz="1200" b="1" dirty="0" smtClean="0"/>
+              <a:t>Objetivos Definidos por Rol</a:t>
+            </a:r>
+            <a:endParaRPr lang="en-US" sz="1200" dirty="0" smtClean="0"/>
+          </a:p>
+          <a:p>
+            <a:r>
+              <a:rPr lang="es-CO" sz="1200" dirty="0" smtClean="0"/>
+              <a:t>Realizar la planeación detallada del ciclo 2</a:t>
+            </a:r>
+            <a:br>
+              <a:rPr lang="es-CO" sz="1200" dirty="0" smtClean="0"/>
+            </a:br>
+            <a:r>
+              <a:rPr lang="es-CO" sz="1200" dirty="0" smtClean="0"/>
+              <a:t>Aplicar al ciclo 2 mejoras de acuerdo a la retroalimentación del primer </a:t>
+            </a:r>
+            <a:r>
+              <a:rPr lang="es-CO" sz="1200" dirty="0" smtClean="0"/>
+              <a:t>ciclo</a:t>
+            </a:r>
+          </a:p>
+          <a:p>
+            <a:endParaRPr lang="en-US" sz="1200" dirty="0" smtClean="0"/>
+          </a:p>
+          <a:p>
+            <a:pPr lvl="0"/>
+            <a:r>
+              <a:rPr lang="es-CO" sz="1200" b="1" dirty="0" smtClean="0"/>
+              <a:t>Cumplimiento de los objetivos durante el ciclo</a:t>
+            </a:r>
+            <a:endParaRPr lang="en-US" sz="1200" dirty="0" smtClean="0"/>
+          </a:p>
+          <a:p>
+            <a:r>
+              <a:rPr lang="es-CO" sz="1200" dirty="0" smtClean="0"/>
+              <a:t>Se cumplió los objetivos del proyecto satisfactoriamente</a:t>
+            </a:r>
+            <a:endParaRPr lang="en-US" sz="1200" dirty="0" smtClean="0"/>
+          </a:p>
+          <a:p>
+            <a:r>
+              <a:rPr lang="es-CO" sz="1200" b="1" dirty="0" smtClean="0"/>
+              <a:t> </a:t>
+            </a:r>
+            <a:endParaRPr lang="en-US" sz="1200" dirty="0" smtClean="0"/>
+          </a:p>
+          <a:p>
+            <a:pPr lvl="0"/>
+            <a:r>
+              <a:rPr lang="es-CO" sz="1200" b="1" dirty="0" smtClean="0"/>
+              <a:t>Inconvenientes</a:t>
+            </a:r>
+            <a:endParaRPr lang="en-US" sz="1200" dirty="0" smtClean="0"/>
+          </a:p>
+          <a:p>
+            <a:r>
+              <a:rPr lang="es-CO" sz="1200" dirty="0" smtClean="0"/>
+              <a:t>Poco tiempo disponible</a:t>
+            </a:r>
+            <a:r>
+              <a:rPr lang="es-CO" sz="1200" dirty="0" smtClean="0"/>
+              <a:t>.</a:t>
+            </a:r>
+          </a:p>
+          <a:p>
+            <a:endParaRPr lang="en-US" sz="1200" dirty="0" smtClean="0"/>
+          </a:p>
+          <a:p>
+            <a:pPr lvl="0"/>
+            <a:r>
+              <a:rPr lang="es-CO" sz="1200" b="1" dirty="0" smtClean="0"/>
+              <a:t>Aspectos a </a:t>
+            </a:r>
+            <a:r>
+              <a:rPr lang="es-CO" sz="1200" b="1" dirty="0" smtClean="0"/>
+              <a:t>Mejorar</a:t>
+            </a:r>
+            <a:endParaRPr lang="en-US" sz="1200" dirty="0" smtClean="0"/>
+          </a:p>
+          <a:p>
+            <a:r>
+              <a:rPr lang="es-CO" sz="1200" dirty="0" smtClean="0"/>
+              <a:t>Distribución del tiempo y de las actividades planeadas</a:t>
+            </a:r>
+            <a:r>
+              <a:rPr lang="es-CO" sz="1200" dirty="0" smtClean="0"/>
+              <a:t>.</a:t>
+            </a:r>
+          </a:p>
+          <a:p>
+            <a:endParaRPr lang="en-US" sz="1200" dirty="0" smtClean="0"/>
+          </a:p>
+        </p:txBody>
+      </p:sp>
+    </p:spTree>
+  </p:cSld>
+  <p:clrMapOvr>
+    <a:masterClrMapping/>
+  </p:clrMapOvr>
+  <p:timing>
+    <p:tnLst>
+      <p:par>
+        <p:cTn id="1" dur="indefinite" restart="never" nodeType="tmRoot"/>
+      </p:par>
+    </p:tnLst>
+  </p:timing>
+</p:sld>
+</file>
+
+<file path=ppt/slides/slide15.xml><?xml version="1.0" encoding="utf-8"?>
+<p:sld xmlns:a="http://schemas.openxmlformats.org/drawingml/2006/main" xmlns:r="http://schemas.openxmlformats.org/officeDocument/2006/relationships" xmlns:p="http://schemas.openxmlformats.org/presentationml/2006/main">
+  <p:cSld>
+    <p:spTree>
+      <p:nvGrpSpPr>
+        <p:cNvPr id="1" name=""/>
+        <p:cNvGrpSpPr/>
+        <p:nvPr/>
+      </p:nvGrpSpPr>
+      <p:grpSpPr>
+        <a:xfrm>
+          <a:off x="0" y="0"/>
+          <a:ext cx="0" cy="0"/>
+          <a:chOff x="0" y="0"/>
+          <a:chExt cx="0" cy="0"/>
+        </a:xfrm>
+      </p:grpSpPr>
+      <p:sp>
+        <p:nvSpPr>
+          <p:cNvPr id="2" name="1 Título"/>
+          <p:cNvSpPr>
+            <a:spLocks noGrp="1"/>
+          </p:cNvSpPr>
+          <p:nvPr>
+            <p:ph type="title"/>
+          </p:nvPr>
+        </p:nvSpPr>
+        <p:spPr/>
+        <p:txBody>
+          <a:bodyPr>
+            <a:normAutofit/>
+          </a:bodyPr>
+          <a:lstStyle/>
+          <a:p>
+            <a:r>
+              <a:rPr lang="es-CO" sz="2400" dirty="0" smtClean="0"/>
+              <a:t>EQUIPO</a:t>
+            </a:r>
+            <a:r>
+              <a:rPr lang="es-CO" sz="2400" dirty="0" smtClean="0"/>
+              <a:t/>
+            </a:r>
+            <a:br>
+              <a:rPr lang="es-CO" sz="2400" dirty="0" smtClean="0"/>
+            </a:br>
+            <a:r>
+              <a:rPr lang="es-CO" sz="2400" dirty="0" err="1" smtClean="0"/>
+              <a:t>lider</a:t>
+            </a:r>
+            <a:r>
+              <a:rPr lang="es-CO" sz="2400" dirty="0" smtClean="0"/>
+              <a:t> de planeación</a:t>
+            </a:r>
+            <a:endParaRPr lang="en-US" sz="2400" dirty="0"/>
+          </a:p>
+        </p:txBody>
+      </p:sp>
+      <p:pic>
+        <p:nvPicPr>
+          <p:cNvPr id="4" name="3 Imagen" descr="ingenium-logo.png"/>
+          <p:cNvPicPr>
+            <a:picLocks noChangeAspect="1"/>
+          </p:cNvPicPr>
+          <p:nvPr/>
+        </p:nvPicPr>
+        <p:blipFill>
+          <a:blip r:embed="rId2" cstate="print"/>
+          <a:stretch>
+            <a:fillRect/>
+          </a:stretch>
+        </p:blipFill>
+        <p:spPr>
+          <a:xfrm>
+            <a:off x="5867400" y="228600"/>
+            <a:ext cx="3048006" cy="1021082"/>
+          </a:xfrm>
+          <a:prstGeom prst="rect">
+            <a:avLst/>
+          </a:prstGeom>
+        </p:spPr>
+      </p:pic>
+      <p:sp>
+        <p:nvSpPr>
+          <p:cNvPr id="8" name="7 CuadroTexto"/>
+          <p:cNvSpPr txBox="1"/>
+          <p:nvPr/>
+        </p:nvSpPr>
+        <p:spPr>
+          <a:xfrm>
+            <a:off x="228600" y="1676400"/>
+            <a:ext cx="8534400" cy="2492990"/>
+          </a:xfrm>
+          <a:prstGeom prst="rect">
+            <a:avLst/>
+          </a:prstGeom>
+          <a:noFill/>
+        </p:spPr>
+        <p:txBody>
+          <a:bodyPr wrap="square" rtlCol="0">
+            <a:spAutoFit/>
+          </a:bodyPr>
+          <a:lstStyle/>
+          <a:p>
+            <a:pPr lvl="0"/>
+            <a:endParaRPr lang="es-CO" sz="1200" b="1" dirty="0" smtClean="0"/>
+          </a:p>
+          <a:p>
+            <a:pPr lvl="0"/>
+            <a:r>
+              <a:rPr lang="es-CO" sz="1200" b="1" dirty="0" smtClean="0"/>
+              <a:t>¿</a:t>
+            </a:r>
+            <a:r>
+              <a:rPr lang="es-CO" sz="1200" b="1" dirty="0" smtClean="0"/>
+              <a:t>Qué nos faltó como grupo en este ciclo</a:t>
+            </a:r>
+            <a:r>
+              <a:rPr lang="es-CO" sz="1200" b="1" dirty="0" smtClean="0"/>
+              <a:t>?</a:t>
+            </a:r>
+            <a:endParaRPr lang="en-US" sz="1200" dirty="0" smtClean="0"/>
+          </a:p>
+          <a:p>
+            <a:r>
+              <a:rPr lang="es-CO" sz="1200" dirty="0" smtClean="0"/>
+              <a:t>Nos falto mayor interés en el proceso e </a:t>
+            </a:r>
+            <a:r>
+              <a:rPr lang="es-CO" sz="1200" dirty="0" smtClean="0"/>
+              <a:t>implementación</a:t>
+            </a:r>
+          </a:p>
+          <a:p>
+            <a:endParaRPr lang="en-US" sz="1200" dirty="0" smtClean="0"/>
+          </a:p>
+          <a:p>
+            <a:pPr lvl="0"/>
+            <a:r>
+              <a:rPr lang="es-CO" sz="1200" b="1" dirty="0" smtClean="0"/>
+              <a:t>¿Cómo debería ser el proceso en el próximo ciclo?</a:t>
+            </a:r>
+            <a:endParaRPr lang="en-US" sz="1200" dirty="0" smtClean="0"/>
+          </a:p>
+          <a:p>
+            <a:r>
+              <a:rPr lang="es-CO" sz="1200" dirty="0" smtClean="0"/>
+              <a:t>Mayor colaboración por parte de todos los integrantes</a:t>
+            </a:r>
+            <a:r>
+              <a:rPr lang="es-CO" sz="1200" dirty="0" smtClean="0"/>
+              <a:t>.</a:t>
+            </a:r>
+          </a:p>
+          <a:p>
+            <a:endParaRPr lang="en-US" sz="1200" dirty="0" smtClean="0"/>
+          </a:p>
+          <a:p>
+            <a:pPr lvl="0"/>
+            <a:r>
+              <a:rPr lang="es-CO" sz="1200" b="1" dirty="0" smtClean="0"/>
+              <a:t>¿Qué etapas fueron las más difíciles? Porqué?</a:t>
+            </a:r>
+            <a:endParaRPr lang="en-US" sz="1200" dirty="0" smtClean="0"/>
+          </a:p>
+          <a:p>
+            <a:r>
+              <a:rPr lang="es-CO" sz="1200" dirty="0" smtClean="0"/>
+              <a:t>Retroalimentación debido al análisis que se debía hacer del ciclo anterior y encontrar los puntos que se deben mejorar de acuerdo a eso</a:t>
+            </a:r>
+            <a:r>
+              <a:rPr lang="es-CO" sz="1200" dirty="0" smtClean="0"/>
+              <a:t>.</a:t>
+            </a:r>
+          </a:p>
+          <a:p>
+            <a:endParaRPr lang="en-US" sz="1200" dirty="0" smtClean="0"/>
+          </a:p>
+          <a:p>
+            <a:pPr lvl="0"/>
+            <a:r>
+              <a:rPr lang="es-CO" sz="1200" b="1" dirty="0" smtClean="0"/>
+              <a:t>¿Qué no me gustó del ciclo?</a:t>
+            </a:r>
+            <a:endParaRPr lang="en-US" sz="1200" dirty="0" smtClean="0"/>
+          </a:p>
+          <a:p>
+            <a:r>
+              <a:rPr lang="es-CO" sz="1200" dirty="0" smtClean="0"/>
+              <a:t>Falta de tiempo para dedicarle al ciclo.</a:t>
+            </a:r>
+            <a:endParaRPr lang="en-US" sz="1200" dirty="0"/>
+          </a:p>
+        </p:txBody>
+      </p:sp>
+    </p:spTree>
+  </p:cSld>
+  <p:clrMapOvr>
+    <a:masterClrMapping/>
+  </p:clrMapOvr>
+  <p:timing>
+    <p:tnLst>
+      <p:par>
+        <p:cTn id="1" dur="indefinite" restart="never" nodeType="tmRoot"/>
+      </p:par>
+    </p:tnLst>
+  </p:timing>
+</p:sld>
+</file>
+
+<file path=ppt/slides/slide16.xml><?xml version="1.0" encoding="utf-8"?>
+<p:sld xmlns:a="http://schemas.openxmlformats.org/drawingml/2006/main" xmlns:r="http://schemas.openxmlformats.org/officeDocument/2006/relationships" xmlns:p="http://schemas.openxmlformats.org/presentationml/2006/main">
+  <p:cSld>
+    <p:spTree>
+      <p:nvGrpSpPr>
+        <p:cNvPr id="1" name=""/>
+        <p:cNvGrpSpPr/>
+        <p:nvPr/>
+      </p:nvGrpSpPr>
+      <p:grpSpPr>
+        <a:xfrm>
+          <a:off x="0" y="0"/>
+          <a:ext cx="0" cy="0"/>
+          <a:chOff x="0" y="0"/>
+          <a:chExt cx="0" cy="0"/>
+        </a:xfrm>
+      </p:grpSpPr>
+      <p:sp>
+        <p:nvSpPr>
+          <p:cNvPr id="2" name="1 Título"/>
+          <p:cNvSpPr>
+            <a:spLocks noGrp="1"/>
+          </p:cNvSpPr>
+          <p:nvPr>
+            <p:ph type="title"/>
+          </p:nvPr>
+        </p:nvSpPr>
+        <p:spPr/>
+        <p:txBody>
+          <a:bodyPr>
+            <a:normAutofit/>
+          </a:bodyPr>
+          <a:lstStyle/>
+          <a:p>
+            <a:r>
+              <a:rPr lang="es-CO" sz="2400" dirty="0" smtClean="0"/>
+              <a:t>EQUIPO</a:t>
+            </a:r>
+            <a:r>
+              <a:rPr lang="es-CO" sz="2400" dirty="0" smtClean="0"/>
+              <a:t/>
+            </a:r>
+            <a:br>
+              <a:rPr lang="es-CO" sz="2400" dirty="0" smtClean="0"/>
+            </a:br>
+            <a:r>
+              <a:rPr lang="es-CO" sz="2400" dirty="0" err="1" smtClean="0"/>
+              <a:t>lider</a:t>
+            </a:r>
+            <a:r>
+              <a:rPr lang="es-CO" sz="2400" dirty="0" smtClean="0"/>
+              <a:t> de calidad y proceso</a:t>
+            </a:r>
+            <a:endParaRPr lang="en-US" sz="2400" dirty="0"/>
+          </a:p>
+        </p:txBody>
+      </p:sp>
+      <p:pic>
+        <p:nvPicPr>
+          <p:cNvPr id="4" name="3 Imagen" descr="ingenium-logo.png"/>
+          <p:cNvPicPr>
+            <a:picLocks noChangeAspect="1"/>
+          </p:cNvPicPr>
+          <p:nvPr/>
+        </p:nvPicPr>
+        <p:blipFill>
+          <a:blip r:embed="rId2" cstate="print"/>
+          <a:stretch>
+            <a:fillRect/>
+          </a:stretch>
+        </p:blipFill>
+        <p:spPr>
+          <a:xfrm>
+            <a:off x="5867400" y="228600"/>
+            <a:ext cx="3048006" cy="1021082"/>
+          </a:xfrm>
+          <a:prstGeom prst="rect">
+            <a:avLst/>
+          </a:prstGeom>
+        </p:spPr>
+      </p:pic>
+      <p:sp>
+        <p:nvSpPr>
+          <p:cNvPr id="8" name="7 CuadroTexto"/>
+          <p:cNvSpPr txBox="1"/>
+          <p:nvPr/>
+        </p:nvSpPr>
+        <p:spPr>
+          <a:xfrm>
+            <a:off x="228600" y="1676400"/>
+            <a:ext cx="8534400" cy="3600986"/>
+          </a:xfrm>
+          <a:prstGeom prst="rect">
+            <a:avLst/>
+          </a:prstGeom>
+          <a:noFill/>
+        </p:spPr>
+        <p:txBody>
+          <a:bodyPr wrap="square" rtlCol="0">
+            <a:spAutoFit/>
+          </a:bodyPr>
+          <a:lstStyle/>
+          <a:p>
+            <a:pPr lvl="0"/>
+            <a:r>
+              <a:rPr lang="es-CO" sz="1200" b="1" dirty="0" smtClean="0"/>
+              <a:t>Objetivos Definidos por Rol</a:t>
+            </a:r>
+            <a:endParaRPr lang="en-US" sz="1200" dirty="0" smtClean="0"/>
+          </a:p>
+          <a:p>
+            <a:r>
+              <a:rPr lang="es-CO" sz="1200" dirty="0" smtClean="0"/>
+              <a:t> Todos los miembros reportan los datos de las actividades con exactitud.</a:t>
+            </a:r>
+            <a:br>
+              <a:rPr lang="es-CO" sz="1200" dirty="0" smtClean="0"/>
+            </a:br>
+            <a:r>
+              <a:rPr lang="es-CO" sz="1200" dirty="0" smtClean="0"/>
+              <a:t> El equipo sigue fielmente el TSP y produce un plan de calidad</a:t>
+            </a:r>
+            <a:br>
+              <a:rPr lang="es-CO" sz="1200" dirty="0" smtClean="0"/>
+            </a:br>
+            <a:r>
+              <a:rPr lang="es-CO" sz="1200" dirty="0" smtClean="0"/>
+              <a:t> Todo el equipo de inspección son correctamente moderado y </a:t>
+            </a:r>
+            <a:r>
+              <a:rPr lang="es-CO" sz="1200" dirty="0" smtClean="0"/>
+              <a:t>reportado</a:t>
+            </a:r>
+          </a:p>
+          <a:p>
+            <a:endParaRPr lang="en-US" sz="1200" dirty="0" smtClean="0"/>
+          </a:p>
+          <a:p>
+            <a:pPr lvl="0"/>
+            <a:r>
+              <a:rPr lang="es-CO" sz="1200" b="1" dirty="0" smtClean="0"/>
+              <a:t>Cumplimiento de los objetivos durante el ciclo</a:t>
+            </a:r>
+            <a:endParaRPr lang="en-US" sz="1200" dirty="0" smtClean="0"/>
+          </a:p>
+          <a:p>
+            <a:r>
+              <a:rPr lang="es-CO" sz="1200" dirty="0" smtClean="0"/>
+              <a:t>El reporte de las actividades esta definido desde el ciclo uno, a través de la herramienta de formularios de Google </a:t>
+            </a:r>
+            <a:r>
+              <a:rPr lang="es-CO" sz="1200" dirty="0" err="1" smtClean="0"/>
+              <a:t>Docs</a:t>
+            </a:r>
+            <a:r>
+              <a:rPr lang="es-CO" sz="1200" dirty="0" smtClean="0"/>
+              <a:t>.</a:t>
+            </a:r>
+            <a:endParaRPr lang="en-US" sz="1200" dirty="0" smtClean="0"/>
+          </a:p>
+          <a:p>
+            <a:r>
+              <a:rPr lang="es-CO" sz="1200" dirty="0" smtClean="0"/>
+              <a:t>Se produjo plan de calidad para el ciclo. </a:t>
+            </a:r>
+            <a:endParaRPr lang="en-US" sz="1200" dirty="0" smtClean="0"/>
+          </a:p>
+          <a:p>
+            <a:r>
+              <a:rPr lang="es-CO" sz="1200" dirty="0" smtClean="0"/>
+              <a:t>Se realizo la inspección con dos inspectores que utilizaron una parte del código</a:t>
+            </a:r>
+            <a:endParaRPr lang="en-US" sz="1200" dirty="0" smtClean="0"/>
+          </a:p>
+          <a:p>
+            <a:r>
+              <a:rPr lang="es-CO" sz="1200" b="1" dirty="0" smtClean="0"/>
+              <a:t> </a:t>
+            </a:r>
+            <a:endParaRPr lang="en-US" sz="1200" dirty="0" smtClean="0"/>
+          </a:p>
+          <a:p>
+            <a:pPr lvl="0"/>
+            <a:r>
+              <a:rPr lang="es-CO" sz="1200" b="1" dirty="0" smtClean="0"/>
+              <a:t>Inconvenientes</a:t>
+            </a:r>
+            <a:endParaRPr lang="en-US" sz="1200" dirty="0" smtClean="0"/>
+          </a:p>
+          <a:p>
+            <a:r>
+              <a:rPr lang="es-CO" sz="1200" dirty="0" smtClean="0"/>
+              <a:t>El reporte de defectos no es el más efectivo por lo que cada vez que se detecto un error no se reporto y se olvido durante el proceso.</a:t>
+            </a:r>
+            <a:endParaRPr lang="en-US" sz="1200" dirty="0" smtClean="0"/>
+          </a:p>
+          <a:p>
+            <a:r>
+              <a:rPr lang="es-CO" sz="1200" dirty="0" smtClean="0"/>
+              <a:t>La inspección de código no arrojo información muy clara acerca de los defectos que se podrían esperar del producto.</a:t>
+            </a:r>
+            <a:endParaRPr lang="en-US" sz="1200" dirty="0" smtClean="0"/>
+          </a:p>
+          <a:p>
+            <a:r>
+              <a:rPr lang="es-CO" sz="1200" b="1" dirty="0" smtClean="0"/>
+              <a:t> </a:t>
+            </a:r>
+            <a:endParaRPr lang="en-US" sz="1200" dirty="0" smtClean="0"/>
+          </a:p>
+          <a:p>
+            <a:pPr lvl="0"/>
+            <a:r>
+              <a:rPr lang="es-CO" sz="1200" b="1" dirty="0" smtClean="0"/>
+              <a:t>Aspectos a Mejorar</a:t>
+            </a:r>
+            <a:endParaRPr lang="en-US" sz="1200" dirty="0" smtClean="0"/>
+          </a:p>
+          <a:p>
+            <a:r>
+              <a:rPr lang="es-CO" sz="1200" dirty="0" smtClean="0"/>
+              <a:t>Planificar las herramientas y ser estándar para el momento de la inspección, por ejemplo tener exactamente la misma lista de chequeo.</a:t>
+            </a:r>
+            <a:br>
+              <a:rPr lang="es-CO" sz="1200" dirty="0" smtClean="0"/>
+            </a:br>
+            <a:r>
+              <a:rPr lang="es-CO" sz="1200" dirty="0" smtClean="0"/>
+              <a:t>Tomar más tiempo necesario para preparar la inspección departe del moderador y los inspectores</a:t>
+            </a:r>
+            <a:br>
+              <a:rPr lang="es-CO" sz="1200" dirty="0" smtClean="0"/>
+            </a:br>
+            <a:r>
+              <a:rPr lang="es-CO" sz="1200" dirty="0" smtClean="0"/>
+              <a:t>Definir un sistema para que cada vez que se detecte uno sea reportado fácilmente</a:t>
+            </a:r>
+            <a:r>
+              <a:rPr lang="es-CO" sz="1200" dirty="0" smtClean="0"/>
+              <a:t>.</a:t>
+            </a:r>
+            <a:endParaRPr lang="en-US" sz="1200" dirty="0" smtClean="0"/>
+          </a:p>
+        </p:txBody>
+      </p:sp>
+    </p:spTree>
+  </p:cSld>
+  <p:clrMapOvr>
+    <a:masterClrMapping/>
+  </p:clrMapOvr>
+  <p:timing>
+    <p:tnLst>
+      <p:par>
+        <p:cTn id="1" dur="indefinite" restart="never" nodeType="tmRoot"/>
+      </p:par>
+    </p:tnLst>
+  </p:timing>
+</p:sld>
+</file>
+
+<file path=ppt/slides/slide17.xml><?xml version="1.0" encoding="utf-8"?>
+<p:sld xmlns:a="http://schemas.openxmlformats.org/drawingml/2006/main" xmlns:r="http://schemas.openxmlformats.org/officeDocument/2006/relationships" xmlns:p="http://schemas.openxmlformats.org/presentationml/2006/main">
+  <p:cSld>
+    <p:spTree>
+      <p:nvGrpSpPr>
+        <p:cNvPr id="1" name=""/>
+        <p:cNvGrpSpPr/>
+        <p:nvPr/>
+      </p:nvGrpSpPr>
+      <p:grpSpPr>
+        <a:xfrm>
+          <a:off x="0" y="0"/>
+          <a:ext cx="0" cy="0"/>
+          <a:chOff x="0" y="0"/>
+          <a:chExt cx="0" cy="0"/>
+        </a:xfrm>
+      </p:grpSpPr>
+      <p:sp>
+        <p:nvSpPr>
+          <p:cNvPr id="2" name="1 Título"/>
+          <p:cNvSpPr>
+            <a:spLocks noGrp="1"/>
+          </p:cNvSpPr>
+          <p:nvPr>
+            <p:ph type="title"/>
+          </p:nvPr>
+        </p:nvSpPr>
+        <p:spPr/>
+        <p:txBody>
+          <a:bodyPr>
+            <a:normAutofit/>
+          </a:bodyPr>
+          <a:lstStyle/>
+          <a:p>
+            <a:r>
+              <a:rPr lang="es-CO" sz="2400" dirty="0" smtClean="0"/>
+              <a:t>EQUIPO</a:t>
+            </a:r>
+            <a:r>
+              <a:rPr lang="es-CO" sz="2400" dirty="0" smtClean="0"/>
+              <a:t/>
+            </a:r>
+            <a:br>
+              <a:rPr lang="es-CO" sz="2400" dirty="0" smtClean="0"/>
+            </a:br>
+            <a:r>
+              <a:rPr lang="es-CO" sz="2400" dirty="0" err="1" smtClean="0"/>
+              <a:t>lider</a:t>
+            </a:r>
+            <a:r>
+              <a:rPr lang="es-CO" sz="2400" dirty="0" smtClean="0"/>
+              <a:t> de calidad y proceso</a:t>
+            </a:r>
+            <a:endParaRPr lang="en-US" sz="2400" dirty="0"/>
+          </a:p>
+        </p:txBody>
+      </p:sp>
+      <p:pic>
+        <p:nvPicPr>
+          <p:cNvPr id="4" name="3 Imagen" descr="ingenium-logo.png"/>
+          <p:cNvPicPr>
+            <a:picLocks noChangeAspect="1"/>
+          </p:cNvPicPr>
+          <p:nvPr/>
+        </p:nvPicPr>
+        <p:blipFill>
+          <a:blip r:embed="rId2" cstate="print"/>
+          <a:stretch>
+            <a:fillRect/>
+          </a:stretch>
+        </p:blipFill>
+        <p:spPr>
+          <a:xfrm>
+            <a:off x="5867400" y="228600"/>
+            <a:ext cx="3048006" cy="1021082"/>
+          </a:xfrm>
+          <a:prstGeom prst="rect">
+            <a:avLst/>
+          </a:prstGeom>
+        </p:spPr>
+      </p:pic>
+      <p:sp>
+        <p:nvSpPr>
+          <p:cNvPr id="8" name="7 CuadroTexto"/>
+          <p:cNvSpPr txBox="1"/>
+          <p:nvPr/>
+        </p:nvSpPr>
+        <p:spPr>
+          <a:xfrm>
+            <a:off x="228600" y="1676400"/>
+            <a:ext cx="8534400" cy="2492990"/>
+          </a:xfrm>
+          <a:prstGeom prst="rect">
+            <a:avLst/>
+          </a:prstGeom>
+          <a:noFill/>
+        </p:spPr>
+        <p:txBody>
+          <a:bodyPr wrap="square" rtlCol="0">
+            <a:spAutoFit/>
+          </a:bodyPr>
+          <a:lstStyle/>
+          <a:p>
+            <a:pPr lvl="0"/>
+            <a:r>
+              <a:rPr lang="es-CO" sz="1200" b="1" dirty="0" smtClean="0"/>
+              <a:t>¿</a:t>
+            </a:r>
+            <a:r>
+              <a:rPr lang="es-CO" sz="1200" b="1" dirty="0" smtClean="0"/>
+              <a:t>Qué nos faltó como grupo en este ciclo?</a:t>
+            </a:r>
+            <a:endParaRPr lang="en-US" sz="1200" dirty="0" smtClean="0"/>
+          </a:p>
+          <a:p>
+            <a:r>
+              <a:rPr lang="es-CO" sz="1200" dirty="0" smtClean="0"/>
+              <a:t>Tener ideas claras de la meta y alcances en tiempo y desarrollo para el </a:t>
+            </a:r>
+            <a:r>
+              <a:rPr lang="es-CO" sz="1200" dirty="0" smtClean="0"/>
+              <a:t>proyecto</a:t>
+            </a:r>
+          </a:p>
+          <a:p>
+            <a:endParaRPr lang="en-US" sz="1200" dirty="0" smtClean="0"/>
+          </a:p>
+          <a:p>
+            <a:pPr lvl="0"/>
+            <a:r>
+              <a:rPr lang="es-CO" sz="1200" b="1" dirty="0" smtClean="0"/>
+              <a:t>¿Cómo debería ser el proceso en el próximo ciclo?</a:t>
+            </a:r>
+            <a:endParaRPr lang="en-US" sz="1200" dirty="0" smtClean="0"/>
+          </a:p>
+          <a:p>
+            <a:r>
+              <a:rPr lang="es-CO" sz="1200" dirty="0" smtClean="0"/>
+              <a:t>Tener las tareas un poco más específicas</a:t>
+            </a:r>
+            <a:r>
+              <a:rPr lang="es-CO" sz="1200" dirty="0" smtClean="0"/>
+              <a:t>.</a:t>
+            </a:r>
+          </a:p>
+          <a:p>
+            <a:endParaRPr lang="en-US" sz="1200" dirty="0" smtClean="0"/>
+          </a:p>
+          <a:p>
+            <a:pPr lvl="0"/>
+            <a:r>
+              <a:rPr lang="es-CO" sz="1200" b="1" dirty="0" smtClean="0"/>
+              <a:t>¿Qué etapas fueron las más difíciles? Porqué?</a:t>
+            </a:r>
+            <a:endParaRPr lang="en-US" sz="1200" dirty="0" smtClean="0"/>
+          </a:p>
+          <a:p>
+            <a:r>
+              <a:rPr lang="es-CO" sz="1200" dirty="0" smtClean="0"/>
+              <a:t>Desarrollo. Porque es difícil establecer y tratar de seguir fielmente el desarrollo del plan, ya que cada uno tiene una forma de trabajar diferente y los tiempos no son </a:t>
+            </a:r>
+            <a:r>
+              <a:rPr lang="es-CO" sz="1200" dirty="0" smtClean="0"/>
+              <a:t>constantes</a:t>
+            </a:r>
+          </a:p>
+          <a:p>
+            <a:endParaRPr lang="en-US" sz="1200" dirty="0" smtClean="0"/>
+          </a:p>
+          <a:p>
+            <a:pPr lvl="0"/>
+            <a:r>
+              <a:rPr lang="es-CO" sz="1200" b="1" dirty="0" smtClean="0"/>
+              <a:t>¿Qué no me gustó del ciclo?</a:t>
+            </a:r>
+            <a:endParaRPr lang="en-US" sz="1200" dirty="0" smtClean="0"/>
+          </a:p>
+          <a:p>
+            <a:r>
+              <a:rPr lang="es-CO" sz="1200" dirty="0" smtClean="0"/>
+              <a:t>La etapa de inspección y </a:t>
+            </a:r>
+            <a:r>
+              <a:rPr lang="es-CO" sz="1200" dirty="0" err="1" smtClean="0"/>
+              <a:t>postmortem</a:t>
+            </a:r>
+            <a:r>
+              <a:rPr lang="es-CO" sz="1200" dirty="0" smtClean="0"/>
+              <a:t>.</a:t>
+            </a:r>
+            <a:endParaRPr lang="en-US" sz="1200" dirty="0" smtClean="0"/>
+          </a:p>
+          <a:p>
+            <a:pPr lvl="0"/>
+            <a:endParaRPr lang="es-CO" sz="1200" b="1" dirty="0" smtClean="0"/>
+          </a:p>
+        </p:txBody>
+      </p:sp>
+    </p:spTree>
+  </p:cSld>
+  <p:clrMapOvr>
+    <a:masterClrMapping/>
+  </p:clrMapOvr>
+  <p:timing>
+    <p:tnLst>
+      <p:par>
+        <p:cTn id="1" dur="indefinite" restart="never" nodeType="tmRoot"/>
+      </p:par>
+    </p:tnLst>
+  </p:timing>
+</p:sld>
+</file>
+
+<file path=ppt/slides/slide18.xml><?xml version="1.0" encoding="utf-8"?>
+<p:sld xmlns:a="http://schemas.openxmlformats.org/drawingml/2006/main" xmlns:r="http://schemas.openxmlformats.org/officeDocument/2006/relationships" xmlns:p="http://schemas.openxmlformats.org/presentationml/2006/main">
+  <p:cSld>
+    <p:spTree>
+      <p:nvGrpSpPr>
+        <p:cNvPr id="1" name=""/>
+        <p:cNvGrpSpPr/>
+        <p:nvPr/>
+      </p:nvGrpSpPr>
+      <p:grpSpPr>
+        <a:xfrm>
+          <a:off x="0" y="0"/>
+          <a:ext cx="0" cy="0"/>
+          <a:chOff x="0" y="0"/>
+          <a:chExt cx="0" cy="0"/>
+        </a:xfrm>
+      </p:grpSpPr>
+      <p:sp>
+        <p:nvSpPr>
+          <p:cNvPr id="2" name="1 Título"/>
+          <p:cNvSpPr>
+            <a:spLocks noGrp="1"/>
+          </p:cNvSpPr>
+          <p:nvPr>
+            <p:ph type="title"/>
+          </p:nvPr>
+        </p:nvSpPr>
+        <p:spPr/>
+        <p:txBody>
+          <a:bodyPr>
+            <a:normAutofit/>
+          </a:bodyPr>
+          <a:lstStyle/>
+          <a:p>
+            <a:r>
+              <a:rPr lang="es-CO" sz="2400" dirty="0" smtClean="0"/>
+              <a:t>EQUIPO</a:t>
+            </a:r>
+            <a:r>
+              <a:rPr lang="es-CO" sz="2400" dirty="0" smtClean="0"/>
+              <a:t/>
+            </a:r>
+            <a:br>
+              <a:rPr lang="es-CO" sz="2400" dirty="0" smtClean="0"/>
+            </a:br>
+            <a:r>
+              <a:rPr lang="es-CO" sz="2400" dirty="0" err="1" smtClean="0"/>
+              <a:t>lider</a:t>
+            </a:r>
+            <a:r>
+              <a:rPr lang="es-CO" sz="2400" dirty="0" smtClean="0"/>
+              <a:t> del grupo</a:t>
+            </a:r>
+            <a:endParaRPr lang="en-US" sz="2400" dirty="0"/>
+          </a:p>
+        </p:txBody>
+      </p:sp>
+      <p:pic>
+        <p:nvPicPr>
+          <p:cNvPr id="4" name="3 Imagen" descr="ingenium-logo.png"/>
+          <p:cNvPicPr>
+            <a:picLocks noChangeAspect="1"/>
+          </p:cNvPicPr>
+          <p:nvPr/>
+        </p:nvPicPr>
+        <p:blipFill>
+          <a:blip r:embed="rId2" cstate="print"/>
+          <a:stretch>
+            <a:fillRect/>
+          </a:stretch>
+        </p:blipFill>
+        <p:spPr>
+          <a:xfrm>
+            <a:off x="5867400" y="228600"/>
+            <a:ext cx="3048006" cy="1021082"/>
+          </a:xfrm>
+          <a:prstGeom prst="rect">
+            <a:avLst/>
+          </a:prstGeom>
+        </p:spPr>
+      </p:pic>
+      <p:sp>
+        <p:nvSpPr>
+          <p:cNvPr id="8" name="7 CuadroTexto"/>
+          <p:cNvSpPr txBox="1"/>
+          <p:nvPr/>
+        </p:nvSpPr>
+        <p:spPr>
+          <a:xfrm>
+            <a:off x="228600" y="1676400"/>
+            <a:ext cx="8534400" cy="3600986"/>
+          </a:xfrm>
+          <a:prstGeom prst="rect">
+            <a:avLst/>
+          </a:prstGeom>
+          <a:noFill/>
+        </p:spPr>
+        <p:txBody>
+          <a:bodyPr wrap="square" rtlCol="0">
+            <a:spAutoFit/>
+          </a:bodyPr>
+          <a:lstStyle/>
+          <a:p>
+            <a:pPr lvl="0"/>
+            <a:r>
+              <a:rPr lang="es-CO" sz="1200" b="1" dirty="0" smtClean="0"/>
+              <a:t>Objetivos Definidos por Rol</a:t>
+            </a:r>
+            <a:endParaRPr lang="en-US" sz="1200" dirty="0" smtClean="0"/>
+          </a:p>
+          <a:p>
+            <a:r>
+              <a:rPr lang="es-CO" sz="1200" dirty="0" smtClean="0"/>
+              <a:t>Garantizar que se cumplieran las actividades planeadas</a:t>
+            </a:r>
+            <a:br>
+              <a:rPr lang="es-CO" sz="1200" dirty="0" smtClean="0"/>
+            </a:br>
+            <a:r>
+              <a:rPr lang="es-CO" sz="1200" dirty="0" smtClean="0"/>
+              <a:t>Se registrará toda la información necesaria para realizar las evaluaciones</a:t>
+            </a:r>
+            <a:br>
+              <a:rPr lang="es-CO" sz="1200" dirty="0" smtClean="0"/>
+            </a:br>
+            <a:r>
+              <a:rPr lang="es-CO" sz="1200" dirty="0" smtClean="0"/>
+              <a:t>Mantener el equipo trabajando juntos y con un buen ambiente de trabajo.</a:t>
+            </a:r>
+            <a:endParaRPr lang="en-US" sz="1200" dirty="0" smtClean="0"/>
+          </a:p>
+          <a:p>
+            <a:r>
+              <a:rPr lang="es-CO" sz="1200" b="1" dirty="0" smtClean="0"/>
+              <a:t> </a:t>
+            </a:r>
+            <a:endParaRPr lang="en-US" sz="1200" dirty="0" smtClean="0"/>
+          </a:p>
+          <a:p>
+            <a:pPr lvl="0"/>
+            <a:r>
+              <a:rPr lang="es-CO" sz="1200" b="1" dirty="0" smtClean="0"/>
+              <a:t>Cumplimiento de los objetivos durante el ciclo</a:t>
+            </a:r>
+            <a:endParaRPr lang="en-US" sz="1200" dirty="0" smtClean="0"/>
+          </a:p>
+          <a:p>
+            <a:r>
+              <a:rPr lang="es-CO" sz="1200" dirty="0" smtClean="0"/>
+              <a:t>Se realizó el 100% de las actividades planeadas</a:t>
+            </a:r>
+            <a:br>
+              <a:rPr lang="es-CO" sz="1200" dirty="0" smtClean="0"/>
+            </a:br>
+            <a:r>
+              <a:rPr lang="es-CO" sz="1200" dirty="0" smtClean="0"/>
+              <a:t>Se registro 100% del trabajo desarrollado</a:t>
+            </a:r>
+            <a:br>
+              <a:rPr lang="es-CO" sz="1200" dirty="0" smtClean="0"/>
+            </a:br>
+            <a:r>
+              <a:rPr lang="es-CO" sz="1200" dirty="0" smtClean="0"/>
+              <a:t>Se cumplieron las reglas planteadas por el grupo</a:t>
+            </a:r>
+            <a:endParaRPr lang="en-US" sz="1200" dirty="0" smtClean="0"/>
+          </a:p>
+          <a:p>
+            <a:r>
+              <a:rPr lang="es-CO" sz="1200" b="1" dirty="0" smtClean="0"/>
+              <a:t> </a:t>
+            </a:r>
+            <a:endParaRPr lang="en-US" sz="1200" dirty="0" smtClean="0"/>
+          </a:p>
+          <a:p>
+            <a:pPr lvl="0"/>
+            <a:r>
+              <a:rPr lang="es-CO" sz="1200" b="1" dirty="0" smtClean="0"/>
+              <a:t>Inconvenientes</a:t>
+            </a:r>
+            <a:endParaRPr lang="en-US" sz="1200" dirty="0" smtClean="0"/>
+          </a:p>
+          <a:p>
+            <a:r>
+              <a:rPr lang="es-CO" sz="1200" dirty="0" smtClean="0"/>
+              <a:t>Dificultad para lograr horarios de reunión adecuados.</a:t>
+            </a:r>
+            <a:br>
+              <a:rPr lang="es-CO" sz="1200" dirty="0" smtClean="0"/>
+            </a:br>
+            <a:r>
+              <a:rPr lang="es-CO" sz="1200" dirty="0" smtClean="0"/>
+              <a:t>Se debe integrar a todo más seguido para compartir las actividades de codificación y pruebas.</a:t>
+            </a:r>
+            <a:endParaRPr lang="en-US" sz="1200" dirty="0" smtClean="0"/>
+          </a:p>
+          <a:p>
+            <a:r>
+              <a:rPr lang="es-CO" sz="1200" b="1" dirty="0" smtClean="0"/>
+              <a:t> </a:t>
+            </a:r>
+            <a:endParaRPr lang="en-US" sz="1200" dirty="0" smtClean="0"/>
+          </a:p>
+          <a:p>
+            <a:pPr lvl="0"/>
+            <a:r>
+              <a:rPr lang="es-CO" sz="1200" b="1" dirty="0" smtClean="0"/>
+              <a:t>Aspectos a Mejorar</a:t>
+            </a:r>
+            <a:endParaRPr lang="en-US" sz="1200" dirty="0" smtClean="0"/>
+          </a:p>
+          <a:p>
+            <a:r>
+              <a:rPr lang="es-CO" sz="1200" dirty="0" smtClean="0"/>
+              <a:t>Se debe dejar mejor documentadas las inspecciones realizadas</a:t>
+            </a:r>
+            <a:br>
+              <a:rPr lang="es-CO" sz="1200" dirty="0" smtClean="0"/>
+            </a:br>
+            <a:r>
+              <a:rPr lang="es-CO" sz="1200" dirty="0" smtClean="0"/>
+              <a:t>Se deben ajustar los horarios de reunión de acuerdo a la semana</a:t>
+            </a:r>
+            <a:br>
+              <a:rPr lang="es-CO" sz="1200" dirty="0" smtClean="0"/>
+            </a:br>
+            <a:r>
+              <a:rPr lang="es-CO" sz="1200" dirty="0" smtClean="0"/>
+              <a:t>se deben revisar los artefactos generados para que sirvan al desarrollo futuro</a:t>
+            </a:r>
+            <a:endParaRPr lang="en-US" sz="1200" dirty="0" smtClean="0"/>
+          </a:p>
+          <a:p>
+            <a:r>
+              <a:rPr lang="es-CO" sz="1200" b="1" dirty="0" smtClean="0"/>
+              <a:t> </a:t>
+            </a:r>
+            <a:endParaRPr lang="en-US" sz="1200" dirty="0" smtClean="0"/>
+          </a:p>
+        </p:txBody>
+      </p:sp>
+    </p:spTree>
+  </p:cSld>
+  <p:clrMapOvr>
+    <a:masterClrMapping/>
+  </p:clrMapOvr>
+  <p:timing>
+    <p:tnLst>
+      <p:par>
+        <p:cTn id="1" dur="indefinite" restart="never" nodeType="tmRoot"/>
+      </p:par>
+    </p:tnLst>
+  </p:timing>
+</p:sld>
+</file>
+
+<file path=ppt/slides/slide19.xml><?xml version="1.0" encoding="utf-8"?>
+<p:sld xmlns:a="http://schemas.openxmlformats.org/drawingml/2006/main" xmlns:r="http://schemas.openxmlformats.org/officeDocument/2006/relationships" xmlns:p="http://schemas.openxmlformats.org/presentationml/2006/main">
+  <p:cSld>
+    <p:spTree>
+      <p:nvGrpSpPr>
+        <p:cNvPr id="1" name=""/>
+        <p:cNvGrpSpPr/>
+        <p:nvPr/>
+      </p:nvGrpSpPr>
+      <p:grpSpPr>
+        <a:xfrm>
+          <a:off x="0" y="0"/>
+          <a:ext cx="0" cy="0"/>
+          <a:chOff x="0" y="0"/>
+          <a:chExt cx="0" cy="0"/>
+        </a:xfrm>
+      </p:grpSpPr>
+      <p:sp>
+        <p:nvSpPr>
+          <p:cNvPr id="2" name="1 Título"/>
+          <p:cNvSpPr>
+            <a:spLocks noGrp="1"/>
+          </p:cNvSpPr>
+          <p:nvPr>
+            <p:ph type="title"/>
+          </p:nvPr>
+        </p:nvSpPr>
+        <p:spPr/>
+        <p:txBody>
+          <a:bodyPr>
+            <a:normAutofit/>
+          </a:bodyPr>
+          <a:lstStyle/>
+          <a:p>
+            <a:r>
+              <a:rPr lang="es-CO" sz="2400" dirty="0" smtClean="0"/>
+              <a:t>EQUIPO</a:t>
+            </a:r>
+            <a:r>
+              <a:rPr lang="es-CO" sz="2400" dirty="0" smtClean="0"/>
+              <a:t/>
+            </a:r>
+            <a:br>
+              <a:rPr lang="es-CO" sz="2400" dirty="0" smtClean="0"/>
+            </a:br>
+            <a:r>
+              <a:rPr lang="es-CO" sz="2400" dirty="0" err="1" smtClean="0"/>
+              <a:t>lider</a:t>
+            </a:r>
+            <a:r>
+              <a:rPr lang="es-CO" sz="2400" dirty="0" smtClean="0"/>
+              <a:t> del grupo</a:t>
+            </a:r>
+            <a:endParaRPr lang="en-US" sz="2400" dirty="0"/>
+          </a:p>
+        </p:txBody>
+      </p:sp>
+      <p:pic>
+        <p:nvPicPr>
+          <p:cNvPr id="4" name="3 Imagen" descr="ingenium-logo.png"/>
+          <p:cNvPicPr>
+            <a:picLocks noChangeAspect="1"/>
+          </p:cNvPicPr>
+          <p:nvPr/>
+        </p:nvPicPr>
+        <p:blipFill>
+          <a:blip r:embed="rId2" cstate="print"/>
+          <a:stretch>
+            <a:fillRect/>
+          </a:stretch>
+        </p:blipFill>
+        <p:spPr>
+          <a:xfrm>
+            <a:off x="5867400" y="228600"/>
+            <a:ext cx="3048006" cy="1021082"/>
+          </a:xfrm>
+          <a:prstGeom prst="rect">
+            <a:avLst/>
+          </a:prstGeom>
+        </p:spPr>
+      </p:pic>
+      <p:sp>
+        <p:nvSpPr>
+          <p:cNvPr id="8" name="7 CuadroTexto"/>
+          <p:cNvSpPr txBox="1"/>
+          <p:nvPr/>
+        </p:nvSpPr>
+        <p:spPr>
+          <a:xfrm>
+            <a:off x="228600" y="1676400"/>
+            <a:ext cx="8534400" cy="3046988"/>
+          </a:xfrm>
+          <a:prstGeom prst="rect">
+            <a:avLst/>
+          </a:prstGeom>
+          <a:noFill/>
+        </p:spPr>
+        <p:txBody>
+          <a:bodyPr wrap="square" rtlCol="0">
+            <a:spAutoFit/>
+          </a:bodyPr>
+          <a:lstStyle/>
+          <a:p>
+            <a:pPr lvl="0"/>
+            <a:r>
+              <a:rPr lang="es-CO" sz="1200" b="1" dirty="0" smtClean="0"/>
+              <a:t>¿</a:t>
+            </a:r>
+            <a:r>
+              <a:rPr lang="es-CO" sz="1200" b="1" dirty="0" smtClean="0"/>
+              <a:t>Qué nos faltó como grupo en este ciclo?</a:t>
+            </a:r>
+            <a:endParaRPr lang="en-US" sz="1200" dirty="0" smtClean="0"/>
+          </a:p>
+          <a:p>
+            <a:r>
+              <a:rPr lang="es-CO" sz="1200" dirty="0" smtClean="0"/>
+              <a:t>Establecer medios de comunicación claros</a:t>
+            </a:r>
+            <a:br>
+              <a:rPr lang="es-CO" sz="1200" dirty="0" smtClean="0"/>
+            </a:br>
+            <a:r>
+              <a:rPr lang="es-CO" sz="1200" dirty="0" smtClean="0"/>
+              <a:t>ajustar los horarios de reunión a la semana en curso</a:t>
+            </a:r>
+            <a:br>
+              <a:rPr lang="es-CO" sz="1200" dirty="0" smtClean="0"/>
+            </a:br>
+            <a:r>
+              <a:rPr lang="es-CO" sz="1200" dirty="0" smtClean="0"/>
+              <a:t>Dar a conocer a todo el grupo los artefactos generados</a:t>
+            </a:r>
+            <a:endParaRPr lang="en-US" sz="1200" dirty="0" smtClean="0"/>
+          </a:p>
+          <a:p>
+            <a:r>
+              <a:rPr lang="es-CO" sz="1200" b="1" dirty="0" smtClean="0"/>
+              <a:t> </a:t>
+            </a:r>
+            <a:endParaRPr lang="en-US" sz="1200" dirty="0" smtClean="0"/>
+          </a:p>
+          <a:p>
+            <a:pPr lvl="0"/>
+            <a:r>
+              <a:rPr lang="es-CO" sz="1200" b="1" dirty="0" smtClean="0"/>
+              <a:t>¿Cómo debería ser el proceso en el próximo ciclo?</a:t>
+            </a:r>
+            <a:endParaRPr lang="en-US" sz="1200" dirty="0" smtClean="0"/>
+          </a:p>
+          <a:p>
+            <a:r>
+              <a:rPr lang="es-CO" sz="1200" dirty="0" smtClean="0"/>
+              <a:t>Se debe seguir con las buenas prácticas ya llevadas y adicionar formas de comunicación más formales, además de compartir con todos los integrantes del grupo todos los resultados</a:t>
+            </a:r>
+            <a:endParaRPr lang="en-US" sz="1200" dirty="0" smtClean="0"/>
+          </a:p>
+          <a:p>
+            <a:r>
+              <a:rPr lang="es-CO" sz="1200" b="1" dirty="0" smtClean="0"/>
+              <a:t> </a:t>
+            </a:r>
+            <a:endParaRPr lang="en-US" sz="1200" dirty="0" smtClean="0"/>
+          </a:p>
+          <a:p>
+            <a:pPr lvl="0"/>
+            <a:r>
+              <a:rPr lang="es-CO" sz="1200" b="1" dirty="0" smtClean="0"/>
+              <a:t>¿Qué etapas fueron las más difíciles? Porqué?</a:t>
+            </a:r>
+            <a:endParaRPr lang="en-US" sz="1200" dirty="0" smtClean="0"/>
+          </a:p>
+          <a:p>
+            <a:r>
+              <a:rPr lang="es-CO" sz="1200" dirty="0" smtClean="0"/>
+              <a:t>Pruebas e inspección</a:t>
+            </a:r>
+            <a:br>
+              <a:rPr lang="es-CO" sz="1200" dirty="0" smtClean="0"/>
+            </a:br>
+            <a:r>
+              <a:rPr lang="es-CO" sz="1200" dirty="0" err="1" smtClean="0"/>
+              <a:t>Postmortem</a:t>
+            </a:r>
+            <a:endParaRPr lang="en-US" sz="1200" dirty="0" smtClean="0"/>
+          </a:p>
+          <a:p>
+            <a:r>
+              <a:rPr lang="es-CO" sz="1200" b="1" dirty="0" smtClean="0"/>
+              <a:t> </a:t>
+            </a:r>
+            <a:endParaRPr lang="en-US" sz="1200" dirty="0" smtClean="0"/>
+          </a:p>
+          <a:p>
+            <a:pPr lvl="0"/>
+            <a:r>
+              <a:rPr lang="es-CO" sz="1200" b="1" dirty="0" smtClean="0"/>
+              <a:t>¿Qué no me gustó del ciclo?</a:t>
+            </a:r>
+            <a:endParaRPr lang="en-US" sz="1200" dirty="0" smtClean="0"/>
+          </a:p>
+          <a:p>
+            <a:r>
+              <a:rPr lang="es-CO" sz="1200" dirty="0" smtClean="0"/>
+              <a:t>La diferencia en volumen de trabajo con respecto al ciclo numero 1, al tener un nivel mas bajo nos queda </a:t>
+            </a:r>
+            <a:r>
+              <a:rPr lang="es-CO" sz="1200" dirty="0" smtClean="0"/>
+              <a:t>difícil </a:t>
+            </a:r>
+            <a:r>
+              <a:rPr lang="es-CO" sz="1200" dirty="0" smtClean="0"/>
+              <a:t>comparar el esfuerzo invertido.</a:t>
+            </a:r>
+            <a:endParaRPr lang="en-US" sz="1200" dirty="0"/>
+          </a:p>
+        </p:txBody>
+      </p:sp>
+    </p:spTree>
+  </p:cSld>
+  <p:clrMapOvr>
+    <a:masterClrMapping/>
+  </p:clrMapOvr>
+  <p:timing>
+    <p:tnLst>
+      <p:par>
+        <p:cTn id="1" dur="indefinite" restart="never" nodeType="tmRoot"/>
+      </p:par>
+    </p:tnLst>
+  </p:timing>
+</p:sld>
+</file>
+
+<file path=ppt/slides/slide2.xml><?xml version="1.0" encoding="utf-8"?>
+<p:sld xmlns:a="http://schemas.openxmlformats.org/drawingml/2006/main" xmlns:r="http://schemas.openxmlformats.org/officeDocument/2006/relationships" xmlns:p="http://schemas.openxmlformats.org/presentationml/2006/main">
+  <p:cSld>
+    <p:spTree>
+      <p:nvGrpSpPr>
+        <p:cNvPr id="1" name=""/>
+        <p:cNvGrpSpPr/>
+        <p:nvPr/>
+      </p:nvGrpSpPr>
+      <p:grpSpPr>
+        <a:xfrm>
+          <a:off x="0" y="0"/>
+          <a:ext cx="0" cy="0"/>
+          <a:chOff x="0" y="0"/>
+          <a:chExt cx="0" cy="0"/>
+        </a:xfrm>
+      </p:grpSpPr>
+      <p:sp>
+        <p:nvSpPr>
+          <p:cNvPr id="2" name="1 Título"/>
+          <p:cNvSpPr>
+            <a:spLocks noGrp="1"/>
+          </p:cNvSpPr>
+          <p:nvPr>
+            <p:ph type="title"/>
+          </p:nvPr>
+        </p:nvSpPr>
+        <p:spPr/>
+        <p:txBody>
+          <a:bodyPr>
+            <a:normAutofit/>
+          </a:bodyPr>
+          <a:lstStyle/>
+          <a:p>
+            <a:r>
+              <a:rPr lang="es-CO" sz="2400" dirty="0" smtClean="0"/>
+              <a:t>CONTENIDO</a:t>
+            </a:r>
+            <a:endParaRPr lang="en-US" sz="2400" dirty="0"/>
+          </a:p>
+        </p:txBody>
+      </p:sp>
+      <p:sp>
+        <p:nvSpPr>
+          <p:cNvPr id="3" name="2 Marcador de contenido"/>
+          <p:cNvSpPr>
+            <a:spLocks noGrp="1"/>
+          </p:cNvSpPr>
+          <p:nvPr>
+            <p:ph idx="1"/>
+          </p:nvPr>
+        </p:nvSpPr>
+        <p:spPr/>
+        <p:txBody>
+          <a:bodyPr>
+            <a:normAutofit/>
+          </a:bodyPr>
+          <a:lstStyle/>
+          <a:p>
+            <a:pPr algn="just"/>
+            <a:r>
+              <a:rPr lang="es-CO" sz="2000" dirty="0" smtClean="0"/>
+              <a:t>Producto</a:t>
+            </a:r>
+          </a:p>
+          <a:p>
+            <a:pPr algn="just"/>
+            <a:r>
+              <a:rPr lang="es-CO" sz="2000" dirty="0" smtClean="0"/>
+              <a:t>Reporte del ciclo</a:t>
+            </a:r>
+          </a:p>
+          <a:p>
+            <a:pPr lvl="1" algn="just"/>
+            <a:r>
+              <a:rPr lang="es-CO" sz="1600" dirty="0" smtClean="0"/>
+              <a:t>Plan</a:t>
+            </a:r>
+          </a:p>
+          <a:p>
+            <a:pPr lvl="1" algn="just"/>
+            <a:r>
+              <a:rPr lang="es-CO" sz="1600" dirty="0" smtClean="0"/>
+              <a:t>Plan de calidad</a:t>
+            </a:r>
+          </a:p>
+          <a:p>
+            <a:pPr lvl="1" algn="just"/>
+            <a:r>
+              <a:rPr lang="es-CO" sz="1600" dirty="0" smtClean="0"/>
+              <a:t>Valor ganado</a:t>
+            </a:r>
+          </a:p>
+          <a:p>
+            <a:pPr lvl="1" algn="just"/>
+            <a:r>
+              <a:rPr lang="es-CO" sz="1600" dirty="0" smtClean="0"/>
+              <a:t>Objetivos</a:t>
+            </a:r>
+          </a:p>
+          <a:p>
+            <a:pPr algn="just"/>
+            <a:r>
+              <a:rPr lang="es-CO" sz="2000" dirty="0" smtClean="0"/>
+              <a:t>Proceso TSP</a:t>
+            </a:r>
+          </a:p>
+          <a:p>
+            <a:pPr algn="just"/>
+            <a:r>
+              <a:rPr lang="es-CO" sz="2000" dirty="0" smtClean="0"/>
+              <a:t>Equipo</a:t>
+            </a:r>
+          </a:p>
+          <a:p>
+            <a:pPr algn="just"/>
+            <a:r>
+              <a:rPr lang="es-CO" sz="2000" dirty="0" smtClean="0"/>
+              <a:t>Propuestas de mejoramiento</a:t>
+            </a:r>
+          </a:p>
+          <a:p>
+            <a:pPr algn="just"/>
+            <a:endParaRPr lang="es-CO" sz="2000" dirty="0" smtClean="0"/>
+          </a:p>
+          <a:p>
+            <a:pPr algn="just"/>
+            <a:endParaRPr lang="es-CO" sz="2000" dirty="0" smtClean="0"/>
+          </a:p>
+        </p:txBody>
+      </p:sp>
+      <p:pic>
+        <p:nvPicPr>
+          <p:cNvPr id="4" name="3 Imagen" descr="ingenium-logo.png"/>
+          <p:cNvPicPr>
+            <a:picLocks noChangeAspect="1"/>
+          </p:cNvPicPr>
+          <p:nvPr/>
+        </p:nvPicPr>
+        <p:blipFill>
+          <a:blip r:embed="rId2" cstate="print"/>
+          <a:stretch>
+            <a:fillRect/>
+          </a:stretch>
+        </p:blipFill>
+        <p:spPr>
+          <a:xfrm>
+            <a:off x="5867400" y="228600"/>
+            <a:ext cx="3048006" cy="1021082"/>
+          </a:xfrm>
+          <a:prstGeom prst="rect">
+            <a:avLst/>
+          </a:prstGeom>
+        </p:spPr>
+      </p:pic>
+    </p:spTree>
+  </p:cSld>
+  <p:clrMapOvr>
+    <a:masterClrMapping/>
+  </p:clrMapOvr>
+  <p:timing>
+    <p:tnLst>
+      <p:par>
+        <p:cTn id="1" dur="indefinite" restart="never" nodeType="tmRoot"/>
+      </p:par>
+    </p:tnLst>
+  </p:timing>
+</p:sld>
+</file>
+
+<file path=ppt/slides/slide20.xml><?xml version="1.0" encoding="utf-8"?>
+<p:sld xmlns:a="http://schemas.openxmlformats.org/drawingml/2006/main" xmlns:r="http://schemas.openxmlformats.org/officeDocument/2006/relationships" xmlns:p="http://schemas.openxmlformats.org/presentationml/2006/main">
+  <p:cSld>
+    <p:spTree>
+      <p:nvGrpSpPr>
+        <p:cNvPr id="1" name=""/>
+        <p:cNvGrpSpPr/>
+        <p:nvPr/>
+      </p:nvGrpSpPr>
+      <p:grpSpPr>
+        <a:xfrm>
+          <a:off x="0" y="0"/>
+          <a:ext cx="0" cy="0"/>
+          <a:chOff x="0" y="0"/>
+          <a:chExt cx="0" cy="0"/>
+        </a:xfrm>
+      </p:grpSpPr>
+      <p:sp>
+        <p:nvSpPr>
+          <p:cNvPr id="2" name="1 Título"/>
+          <p:cNvSpPr>
+            <a:spLocks noGrp="1"/>
+          </p:cNvSpPr>
+          <p:nvPr>
+            <p:ph type="title"/>
+          </p:nvPr>
+        </p:nvSpPr>
+        <p:spPr/>
+        <p:txBody>
+          <a:bodyPr>
+            <a:normAutofit/>
+          </a:bodyPr>
+          <a:lstStyle/>
+          <a:p>
+            <a:r>
+              <a:rPr lang="es-CO" sz="2400" dirty="0" smtClean="0"/>
               <a:t>HERRAMIENTAS</a:t>
             </a:r>
             <a:endParaRPr lang="en-US" sz="2400" dirty="0"/>
@@ -13183,7 +15690,7 @@
 </p:sld>
 </file>
 
-<file path=ppt/slides/slide11.xml><?xml version="1.0" encoding="utf-8"?>
+<file path=ppt/slides/slide21.xml><?xml version="1.0" encoding="utf-8"?>
 <p:sld xmlns:a="http://schemas.openxmlformats.org/drawingml/2006/main" xmlns:r="http://schemas.openxmlformats.org/officeDocument/2006/relationships" xmlns:p="http://schemas.openxmlformats.org/presentationml/2006/main">
   <p:cSld>
     <p:spTree>
@@ -13254,7 +15761,7 @@
           <p:nvPr/>
         </p:nvPicPr>
         <p:blipFill>
-          <a:blip r:embed="rId6" cstate="print"/>
+          <a:blip r:embed="rId7" cstate="print"/>
           <a:stretch>
             <a:fillRect/>
           </a:stretch>
@@ -13284,7 +15791,7 @@
 </p:sld>
 </file>
 
-<file path=ppt/slides/slide12.xml><?xml version="1.0" encoding="utf-8"?>
+<file path=ppt/slides/slide22.xml><?xml version="1.0" encoding="utf-8"?>
 <p:sld xmlns:a="http://schemas.openxmlformats.org/drawingml/2006/main" xmlns:r="http://schemas.openxmlformats.org/officeDocument/2006/relationships" xmlns:p="http://schemas.openxmlformats.org/presentationml/2006/main">
   <p:cSld>
     <p:spTree>
@@ -13355,177 +15862,7 @@
           <p:nvPr/>
         </p:nvPicPr>
         <p:blipFill>
-          <a:blip r:embed="rId6" cstate="print"/>
-          <a:stretch>
-            <a:fillRect/>
-          </a:stretch>
-        </p:blipFill>
-        <p:spPr>
-          <a:xfrm>
-            <a:off x="5867400" y="228600"/>
-            <a:ext cx="3048006" cy="1021082"/>
-          </a:xfrm>
-          <a:prstGeom prst="rect">
-            <a:avLst/>
-          </a:prstGeom>
-        </p:spPr>
-      </p:pic>
-    </p:spTree>
-  </p:cSld>
-  <p:clrMapOvr>
-    <a:masterClrMapping/>
-  </p:clrMapOvr>
-  <p:timing>
-    <p:tnLst>
-      <p:par>
-        <p:cTn id="1" dur="indefinite" restart="never" nodeType="tmRoot"/>
-      </p:par>
-    </p:tnLst>
-  </p:timing>
-</p:sld>
-</file>
-
-<file path=ppt/slides/slide2.xml><?xml version="1.0" encoding="utf-8"?>
-<p:sld xmlns:a="http://schemas.openxmlformats.org/drawingml/2006/main" xmlns:r="http://schemas.openxmlformats.org/officeDocument/2006/relationships" xmlns:p="http://schemas.openxmlformats.org/presentationml/2006/main">
-  <p:cSld>
-    <p:spTree>
-      <p:nvGrpSpPr>
-        <p:cNvPr id="1" name=""/>
-        <p:cNvGrpSpPr/>
-        <p:nvPr/>
-      </p:nvGrpSpPr>
-      <p:grpSpPr>
-        <a:xfrm>
-          <a:off x="0" y="0"/>
-          <a:ext cx="0" cy="0"/>
-          <a:chOff x="0" y="0"/>
-          <a:chExt cx="0" cy="0"/>
-        </a:xfrm>
-      </p:grpSpPr>
-      <p:sp>
-        <p:nvSpPr>
-          <p:cNvPr id="2" name="1 Título"/>
-          <p:cNvSpPr>
-            <a:spLocks noGrp="1"/>
-          </p:cNvSpPr>
-          <p:nvPr>
-            <p:ph type="title"/>
-          </p:nvPr>
-        </p:nvSpPr>
-        <p:spPr/>
-        <p:txBody>
-          <a:bodyPr>
-            <a:normAutofit/>
-          </a:bodyPr>
-          <a:lstStyle/>
-          <a:p>
-            <a:r>
-              <a:rPr lang="es-CO" sz="2400" dirty="0" smtClean="0"/>
-              <a:t>CONTENIDO</a:t>
-            </a:r>
-            <a:endParaRPr lang="en-US" sz="2400" dirty="0"/>
-          </a:p>
-        </p:txBody>
-      </p:sp>
-      <p:sp>
-        <p:nvSpPr>
-          <p:cNvPr id="3" name="2 Marcador de contenido"/>
-          <p:cNvSpPr>
-            <a:spLocks noGrp="1"/>
-          </p:cNvSpPr>
-          <p:nvPr>
-            <p:ph idx="1"/>
-          </p:nvPr>
-        </p:nvSpPr>
-        <p:spPr/>
-        <p:txBody>
-          <a:bodyPr>
-            <a:normAutofit/>
-          </a:bodyPr>
-          <a:lstStyle/>
-          <a:p>
-            <a:pPr algn="just"/>
-            <a:r>
-              <a:rPr lang="es-CO" sz="2000" dirty="0" smtClean="0"/>
-              <a:t>Producto</a:t>
-            </a:r>
-          </a:p>
-          <a:p>
-            <a:pPr algn="just"/>
-            <a:r>
-              <a:rPr lang="es-CO" sz="2000" dirty="0" smtClean="0"/>
-              <a:t>Reporte del ciclo</a:t>
-            </a:r>
-          </a:p>
-          <a:p>
-            <a:pPr lvl="1" algn="just"/>
-            <a:r>
-              <a:rPr lang="es-CO" sz="1600" dirty="0" smtClean="0"/>
-              <a:t>Plan</a:t>
-            </a:r>
-          </a:p>
-          <a:p>
-            <a:pPr lvl="1" algn="just"/>
-            <a:r>
-              <a:rPr lang="es-CO" sz="1600" dirty="0" smtClean="0"/>
-              <a:t>Plan de calidad</a:t>
-            </a:r>
-          </a:p>
-          <a:p>
-            <a:pPr lvl="1" algn="just"/>
-            <a:r>
-              <a:rPr lang="es-CO" sz="1600" dirty="0" smtClean="0"/>
-              <a:t>Valor ganado</a:t>
-            </a:r>
-          </a:p>
-          <a:p>
-            <a:pPr lvl="1" algn="just"/>
-            <a:r>
-              <a:rPr lang="es-CO" sz="1600" dirty="0" smtClean="0"/>
-              <a:t>Objetivos</a:t>
-            </a:r>
-          </a:p>
-          <a:p>
-            <a:pPr algn="just"/>
-            <a:r>
-              <a:rPr lang="es-CO" sz="2000" dirty="0" smtClean="0"/>
-              <a:t>Proceso TSP</a:t>
-            </a:r>
-          </a:p>
-          <a:p>
-            <a:pPr algn="just"/>
-            <a:r>
-              <a:rPr lang="es-CO" sz="2000" dirty="0" smtClean="0"/>
-              <a:t>Equipo</a:t>
-            </a:r>
-          </a:p>
-          <a:p>
-            <a:pPr algn="just"/>
-            <a:r>
-              <a:rPr lang="es-CO" sz="2000" dirty="0" smtClean="0"/>
-              <a:t>Propuestas de mejoramiento</a:t>
-            </a:r>
-          </a:p>
-          <a:p>
-            <a:pPr algn="just"/>
-            <a:endParaRPr lang="es-CO" sz="2000" dirty="0" smtClean="0"/>
-          </a:p>
-          <a:p>
-            <a:pPr algn="just"/>
-            <a:endParaRPr lang="es-CO" sz="2000" dirty="0" smtClean="0"/>
-          </a:p>
-        </p:txBody>
-      </p:sp>
-      <p:pic>
-        <p:nvPicPr>
-          <p:cNvPr id="4" name="3 Imagen" descr="ingenium-logo.png"/>
-          <p:cNvPicPr>
-            <a:picLocks noChangeAspect="1"/>
-          </p:cNvPicPr>
-          <p:nvPr/>
-        </p:nvPicPr>
-        <p:blipFill>
-          <a:blip r:embed="rId2" cstate="print"/>
+          <a:blip r:embed="rId7" cstate="print"/>
           <a:stretch>
             <a:fillRect/>
           </a:stretch>

--- a/CSOF5101 Ingeniera de Software/TSP/0323PostMortemTSPCiclo2.pptx
+++ b/CSOF5101 Ingeniera de Software/TSP/0323PostMortemTSPCiclo2.pptx
@@ -127,7 +127,7 @@
 <file path=ppt/charts/chart1.xml><?xml version="1.0" encoding="utf-8"?>
 <c:chartSpace xmlns:c="http://schemas.openxmlformats.org/drawingml/2006/chart" xmlns:a="http://schemas.openxmlformats.org/drawingml/2006/main" xmlns:r="http://schemas.openxmlformats.org/officeDocument/2006/relationships">
   <c:date1904 val="1"/>
-  <c:lang val="es-CO"/>
+  <c:lang val="en-US"/>
   <c:chart>
     <c:title>
       <c:tx>
@@ -201,22 +201,22 @@
                   <c:v>0</c:v>
                 </c:pt>
                 <c:pt idx="1">
-                  <c:v>7.7235772357723623E-2</c:v>
+                  <c:v>7.7235772357723637E-2</c:v>
                 </c:pt>
                 <c:pt idx="2">
-                  <c:v>7.7235772357723623E-2</c:v>
+                  <c:v>7.7235772357723637E-2</c:v>
                 </c:pt>
                 <c:pt idx="3">
-                  <c:v>0.20121951219512213</c:v>
+                  <c:v>0.20121951219512219</c:v>
                 </c:pt>
                 <c:pt idx="4">
-                  <c:v>0.25813008130081322</c:v>
+                  <c:v>0.25813008130081327</c:v>
                 </c:pt>
                 <c:pt idx="5">
-                  <c:v>0.27032520325203285</c:v>
+                  <c:v>0.27032520325203291</c:v>
                 </c:pt>
                 <c:pt idx="6">
-                  <c:v>0.28861788617886203</c:v>
+                  <c:v>0.28861788617886214</c:v>
                 </c:pt>
               </c:numCache>
             </c:numRef>
@@ -238,10 +238,10 @@
                   <c:v>0</c:v>
                 </c:pt>
                 <c:pt idx="1">
-                  <c:v>2.8455284552845544E-2</c:v>
+                  <c:v>2.8455284552845548E-2</c:v>
                 </c:pt>
                 <c:pt idx="2">
-                  <c:v>2.8455284552845544E-2</c:v>
+                  <c:v>2.8455284552845548E-2</c:v>
                 </c:pt>
                 <c:pt idx="3">
                   <c:v>0.15853658536585374</c:v>
@@ -253,18 +253,18 @@
                   <c:v>0.241869918699187</c:v>
                 </c:pt>
                 <c:pt idx="6">
-                  <c:v>0.28861788617886197</c:v>
+                  <c:v>0.28861788617886203</c:v>
                 </c:pt>
               </c:numCache>
             </c:numRef>
           </c:val>
         </c:ser>
         <c:marker val="1"/>
-        <c:axId val="61441920"/>
-        <c:axId val="61443456"/>
+        <c:axId val="54131712"/>
+        <c:axId val="35050240"/>
       </c:lineChart>
       <c:catAx>
-        <c:axId val="61441920"/>
+        <c:axId val="54131712"/>
         <c:scaling>
           <c:orientation val="minMax"/>
         </c:scaling>
@@ -278,17 +278,17 @@
             <a:pPr>
               <a:defRPr lang="en-US"/>
             </a:pPr>
-            <a:endParaRPr lang="es-CO"/>
+            <a:endParaRPr lang="en-US"/>
           </a:p>
         </c:txPr>
-        <c:crossAx val="61443456"/>
+        <c:crossAx val="35050240"/>
         <c:crosses val="autoZero"/>
         <c:auto val="1"/>
         <c:lblAlgn val="ctr"/>
         <c:lblOffset val="100"/>
       </c:catAx>
       <c:valAx>
-        <c:axId val="61443456"/>
+        <c:axId val="35050240"/>
         <c:scaling>
           <c:orientation val="minMax"/>
         </c:scaling>
@@ -322,10 +322,10 @@
             <a:pPr>
               <a:defRPr lang="en-US"/>
             </a:pPr>
-            <a:endParaRPr lang="es-CO"/>
+            <a:endParaRPr lang="en-US"/>
           </a:p>
         </c:txPr>
-        <c:crossAx val="61441920"/>
+        <c:crossAx val="54131712"/>
         <c:crosses val="autoZero"/>
         <c:crossBetween val="between"/>
       </c:valAx>
@@ -341,7 +341,7 @@
             <a:pPr rtl="0">
               <a:defRPr lang="en-US"/>
             </a:pPr>
-            <a:endParaRPr lang="es-CO"/>
+            <a:endParaRPr lang="en-US"/>
           </a:p>
         </c:txPr>
       </c:dTable>
@@ -355,7 +355,7 @@
 <file path=ppt/charts/chart2.xml><?xml version="1.0" encoding="utf-8"?>
 <c:chartSpace xmlns:c="http://schemas.openxmlformats.org/drawingml/2006/chart" xmlns:a="http://schemas.openxmlformats.org/drawingml/2006/main" xmlns:r="http://schemas.openxmlformats.org/officeDocument/2006/relationships">
   <c:date1904 val="1"/>
-  <c:lang val="es-CO"/>
+  <c:lang val="en-US"/>
   <c:style val="34"/>
   <c:chart>
     <c:title>
@@ -653,11 +653,11 @@
             </c:numRef>
           </c:val>
         </c:ser>
-        <c:axId val="64010496"/>
-        <c:axId val="64020864"/>
+        <c:axId val="35402496"/>
+        <c:axId val="35404416"/>
       </c:barChart>
       <c:catAx>
-        <c:axId val="64010496"/>
+        <c:axId val="35402496"/>
         <c:scaling>
           <c:orientation val="minMax"/>
         </c:scaling>
@@ -689,17 +689,17 @@
             <a:pPr>
               <a:defRPr lang="en-US"/>
             </a:pPr>
-            <a:endParaRPr lang="es-CO"/>
+            <a:endParaRPr lang="en-US"/>
           </a:p>
         </c:txPr>
-        <c:crossAx val="64020864"/>
+        <c:crossAx val="35404416"/>
         <c:crosses val="autoZero"/>
         <c:auto val="1"/>
         <c:lblAlgn val="ctr"/>
         <c:lblOffset val="100"/>
       </c:catAx>
       <c:valAx>
-        <c:axId val="64020864"/>
+        <c:axId val="35404416"/>
         <c:scaling>
           <c:orientation val="minMax"/>
           <c:max val="5"/>
@@ -734,10 +734,10 @@
             <a:pPr>
               <a:defRPr lang="en-US"/>
             </a:pPr>
-            <a:endParaRPr lang="es-CO"/>
+            <a:endParaRPr lang="en-US"/>
           </a:p>
         </c:txPr>
-        <c:crossAx val="64010496"/>
+        <c:crossAx val="35402496"/>
         <c:crosses val="autoZero"/>
         <c:crossBetween val="between"/>
       </c:valAx>
@@ -752,7 +752,7 @@
           <a:pPr>
             <a:defRPr lang="en-US"/>
           </a:pPr>
-          <a:endParaRPr lang="es-CO"/>
+          <a:endParaRPr lang="en-US"/>
         </a:p>
       </c:txPr>
     </c:legend>
@@ -3931,7 +3931,7 @@
   <dgm:whole/>
   <dgm:extLst>
     <a:ext uri="http://schemas.microsoft.com/office/drawing/2008/diagram">
-      <dsp:dataModelExt xmlns="" xmlns:dsp="http://schemas.microsoft.com/office/drawing/2008/diagram" relId="rId7" minVer="http://schemas.openxmlformats.org/drawingml/2006/diagram"/>
+      <dsp:dataModelExt xmlns:dsp="http://schemas.microsoft.com/office/drawing/2008/diagram" xmlns="" relId="rId7" minVer="http://schemas.openxmlformats.org/drawingml/2006/diagram"/>
     </a:ext>
   </dgm:extLst>
 </dgm:dataModel>
@@ -4265,7 +4265,7 @@
   <dgm:whole/>
   <dgm:extLst>
     <a:ext uri="http://schemas.microsoft.com/office/drawing/2008/diagram">
-      <dsp:dataModelExt xmlns="" xmlns:dsp="http://schemas.microsoft.com/office/drawing/2008/diagram" relId="rId6" minVer="http://schemas.openxmlformats.org/drawingml/2006/diagram"/>
+      <dsp:dataModelExt xmlns:dsp="http://schemas.microsoft.com/office/drawing/2008/diagram" xmlns="" relId="rId6" minVer="http://schemas.openxmlformats.org/drawingml/2006/diagram"/>
     </a:ext>
   </dgm:extLst>
 </dgm:dataModel>
@@ -4442,7 +4442,7 @@
   <dgm:whole/>
   <dgm:extLst>
     <a:ext uri="http://schemas.microsoft.com/office/drawing/2008/diagram">
-      <dsp:dataModelExt xmlns="" xmlns:dsp="http://schemas.microsoft.com/office/drawing/2008/diagram" relId="rId6" minVer="http://schemas.openxmlformats.org/drawingml/2006/diagram"/>
+      <dsp:dataModelExt xmlns:dsp="http://schemas.microsoft.com/office/drawing/2008/diagram" xmlns="" relId="rId6" minVer="http://schemas.openxmlformats.org/drawingml/2006/diagram"/>
     </a:ext>
   </dgm:extLst>
 </dgm:dataModel>
@@ -13071,7 +13071,14 @@
                 <a:latin typeface="Calibri" pitchFamily="34" charset="0"/>
                 <a:cs typeface="Calibri" pitchFamily="34" charset="0"/>
               </a:rPr>
-              <a:t>CICLO 1</a:t>
+              <a:t>CICLO </a:t>
+            </a:r>
+            <a:r>
+              <a:rPr lang="es-CO" b="1" dirty="0" smtClean="0">
+                <a:latin typeface="Calibri" pitchFamily="34" charset="0"/>
+                <a:cs typeface="Calibri" pitchFamily="34" charset="0"/>
+              </a:rPr>
+              <a:t>2</a:t>
             </a:r>
             <a:endParaRPr lang="en-US" dirty="0">
               <a:latin typeface="Calibri" pitchFamily="34" charset="0"/>
@@ -17104,19 +17111,11 @@
             <a:pPr lvl="0"/>
             <a:r>
               <a:rPr lang="es-CO" sz="1200" b="1" dirty="0" smtClean="0"/>
-              <a:t>Objetivos Definidos por </a:t>
-            </a:r>
-            <a:r>
-              <a:rPr lang="es-CO" sz="1200" b="1" dirty="0" smtClean="0"/>
-              <a:t>Rol: </a:t>
+              <a:t>Objetivos Definidos por Rol: </a:t>
             </a:r>
             <a:r>
               <a:rPr lang="es-CO" sz="1200" dirty="0" smtClean="0"/>
-              <a:t>Garantizar </a:t>
-            </a:r>
-            <a:r>
-              <a:rPr lang="es-CO" sz="1200" dirty="0" smtClean="0"/>
-              <a:t>que se cumplieran las actividades planeadas</a:t>
+              <a:t>Garantizar que se cumplieran las actividades planeadas</a:t>
             </a:r>
             <a:br>
               <a:rPr lang="es-CO" sz="1200" dirty="0" smtClean="0"/>
@@ -17145,19 +17144,11 @@
             <a:pPr lvl="0"/>
             <a:r>
               <a:rPr lang="es-CO" sz="1200" b="1" dirty="0" smtClean="0"/>
-              <a:t>Cumplimiento de los objetivos durante el </a:t>
-            </a:r>
-            <a:r>
-              <a:rPr lang="es-CO" sz="1200" b="1" dirty="0" smtClean="0"/>
-              <a:t>ciclo: </a:t>
+              <a:t>Cumplimiento de los objetivos durante el ciclo: </a:t>
             </a:r>
             <a:r>
               <a:rPr lang="es-CO" sz="1200" dirty="0" smtClean="0"/>
-              <a:t>Se </a:t>
-            </a:r>
-            <a:r>
-              <a:rPr lang="es-CO" sz="1200" dirty="0" smtClean="0"/>
-              <a:t>realizó el 100% de las actividades planeadas</a:t>
+              <a:t>Se realizó el 100% de las actividades planeadas</a:t>
             </a:r>
             <a:br>
               <a:rPr lang="es-CO" sz="1200" dirty="0" smtClean="0"/>
@@ -17190,11 +17181,7 @@
             </a:r>
             <a:r>
               <a:rPr lang="es-CO" sz="1200" dirty="0" smtClean="0"/>
-              <a:t>Dificultad </a:t>
-            </a:r>
-            <a:r>
-              <a:rPr lang="es-CO" sz="1200" dirty="0" smtClean="0"/>
-              <a:t>para lograr horarios de reunión adecuados.</a:t>
+              <a:t>Dificultad para lograr horarios de reunión adecuados.</a:t>
             </a:r>
             <a:br>
               <a:rPr lang="es-CO" sz="1200" dirty="0" smtClean="0"/>
@@ -17216,19 +17203,11 @@
             <a:pPr lvl="0"/>
             <a:r>
               <a:rPr lang="es-CO" sz="1200" b="1" dirty="0" smtClean="0"/>
-              <a:t>Aspectos a </a:t>
-            </a:r>
-            <a:r>
-              <a:rPr lang="es-CO" sz="1200" b="1" dirty="0" smtClean="0"/>
-              <a:t>Mejorar: </a:t>
+              <a:t>Aspectos a Mejorar: </a:t>
             </a:r>
             <a:r>
               <a:rPr lang="es-CO" sz="1200" dirty="0" smtClean="0"/>
-              <a:t>Se </a:t>
-            </a:r>
-            <a:r>
-              <a:rPr lang="es-CO" sz="1200" dirty="0" smtClean="0"/>
-              <a:t>debe dejar mejor documentadas las inspecciones realizadas</a:t>
+              <a:t>Se debe dejar mejor documentadas las inspecciones realizadas</a:t>
             </a:r>
             <a:br>
               <a:rPr lang="es-CO" sz="1200" dirty="0" smtClean="0"/>
@@ -17242,11 +17221,7 @@
             </a:br>
             <a:r>
               <a:rPr lang="es-CO" sz="1200" dirty="0" smtClean="0"/>
-              <a:t>se deben revisar los artefactos generados para que sirvan al desarrollo </a:t>
-            </a:r>
-            <a:r>
-              <a:rPr lang="es-CO" sz="1200" dirty="0" smtClean="0"/>
-              <a:t>futuro</a:t>
+              <a:t>se deben revisar los artefactos generados para que sirvan al desarrollo futuro</a:t>
             </a:r>
           </a:p>
           <a:p>
@@ -17256,19 +17231,11 @@
             <a:pPr lvl="0"/>
             <a:r>
               <a:rPr lang="es-CO" sz="1200" b="1" dirty="0" smtClean="0"/>
-              <a:t>¿Qué nos faltó como grupo en este ciclo</a:t>
-            </a:r>
-            <a:r>
-              <a:rPr lang="es-CO" sz="1200" b="1" dirty="0" smtClean="0"/>
-              <a:t>?: </a:t>
+              <a:t>¿Qué nos faltó como grupo en este ciclo?: </a:t>
             </a:r>
             <a:r>
               <a:rPr lang="es-CO" sz="1200" dirty="0" smtClean="0"/>
-              <a:t>Establecer </a:t>
-            </a:r>
-            <a:r>
-              <a:rPr lang="es-CO" sz="1200" dirty="0" smtClean="0"/>
-              <a:t>medios de comunicación claros</a:t>
+              <a:t>Establecer medios de comunicación claros</a:t>
             </a:r>
             <a:br>
               <a:rPr lang="es-CO" sz="1200" dirty="0" smtClean="0"/>
@@ -17297,19 +17264,11 @@
             <a:pPr lvl="0"/>
             <a:r>
               <a:rPr lang="es-CO" sz="1200" b="1" dirty="0" smtClean="0"/>
-              <a:t>¿Cómo debería ser el proceso en el próximo ciclo</a:t>
-            </a:r>
-            <a:r>
-              <a:rPr lang="es-CO" sz="1200" b="1" dirty="0" smtClean="0"/>
-              <a:t>?: </a:t>
+              <a:t>¿Cómo debería ser el proceso en el próximo ciclo?: </a:t>
             </a:r>
             <a:r>
               <a:rPr lang="es-CO" sz="1200" dirty="0" smtClean="0"/>
-              <a:t>Se </a:t>
-            </a:r>
-            <a:r>
-              <a:rPr lang="es-CO" sz="1200" dirty="0" smtClean="0"/>
-              <a:t>debe seguir con las buenas prácticas ya llevadas y adicionar formas de comunicación más formales, además de compartir con todos los integrantes del grupo todos los resultados</a:t>
+              <a:t>Se debe seguir con las buenas prácticas ya llevadas y adicionar formas de comunicación más formales, además de compartir con todos los integrantes del grupo todos los resultados</a:t>
             </a:r>
             <a:endParaRPr lang="en-US" sz="1200" dirty="0" smtClean="0"/>
           </a:p>
@@ -17324,23 +17283,11 @@
             <a:pPr lvl="0"/>
             <a:r>
               <a:rPr lang="es-CO" sz="1200" b="1" dirty="0" smtClean="0"/>
-              <a:t>¿Qué etapas fueron las más difíciles? Porqué</a:t>
-            </a:r>
-            <a:r>
-              <a:rPr lang="es-CO" sz="1200" b="1" dirty="0" smtClean="0"/>
-              <a:t>?: </a:t>
+              <a:t>¿Qué etapas fueron las más difíciles? Porqué?: </a:t>
             </a:r>
             <a:r>
               <a:rPr lang="es-CO" sz="1200" dirty="0" smtClean="0"/>
-              <a:t>Pruebas </a:t>
-            </a:r>
-            <a:r>
-              <a:rPr lang="es-CO" sz="1200" dirty="0" smtClean="0"/>
-              <a:t>e </a:t>
-            </a:r>
-            <a:r>
-              <a:rPr lang="es-CO" sz="1200" dirty="0" smtClean="0"/>
-              <a:t>inspección, </a:t>
+              <a:t>Pruebas e inspección, </a:t>
             </a:r>
             <a:r>
               <a:rPr lang="es-CO" sz="1200" dirty="0" err="1" smtClean="0"/>
@@ -17359,23 +17306,11 @@
             <a:pPr lvl="0"/>
             <a:r>
               <a:rPr lang="es-CO" sz="1200" b="1" dirty="0" smtClean="0"/>
-              <a:t>¿Qué no me gustó del ciclo</a:t>
-            </a:r>
-            <a:r>
-              <a:rPr lang="es-CO" sz="1200" b="1" dirty="0" smtClean="0"/>
-              <a:t>?: </a:t>
+              <a:t>¿Qué no me gustó del ciclo?: </a:t>
             </a:r>
             <a:r>
               <a:rPr lang="es-CO" sz="1200" dirty="0" smtClean="0"/>
-              <a:t>La </a:t>
-            </a:r>
-            <a:r>
-              <a:rPr lang="es-CO" sz="1200" dirty="0" smtClean="0"/>
-              <a:t>diferencia en volumen de trabajo con respecto al ciclo numero 1, al tener un nivel mas bajo nos queda difícil comparar el esfuerzo invertido</a:t>
-            </a:r>
-            <a:r>
-              <a:rPr lang="es-CO" sz="1200" dirty="0" smtClean="0"/>
-              <a:t>.</a:t>
+              <a:t>La diferencia en volumen de trabajo con respecto al ciclo numero 1, al tener un nivel mas bajo nos queda difícil comparar el esfuerzo invertido.</a:t>
             </a:r>
             <a:endParaRPr lang="en-US" sz="1200" dirty="0" smtClean="0"/>
           </a:p>
@@ -17568,11 +17503,7 @@
           <a:p>
             <a:r>
               <a:rPr lang="es-CO" sz="1200" dirty="0" smtClean="0"/>
-              <a:t>Distribución del tiempo y de las actividades planeadas</a:t>
-            </a:r>
-            <a:r>
-              <a:rPr lang="es-CO" sz="1200" dirty="0" smtClean="0"/>
-              <a:t>.</a:t>
+              <a:t>Distribución del tiempo y de las actividades planeadas.</a:t>
             </a:r>
           </a:p>
           <a:p>
@@ -17766,19 +17697,11 @@
             <a:pPr lvl="0"/>
             <a:r>
               <a:rPr lang="es-CO" sz="1200" b="1" dirty="0" smtClean="0"/>
-              <a:t>Objetivos Definidos por </a:t>
-            </a:r>
-            <a:r>
-              <a:rPr lang="es-CO" sz="1200" b="1" dirty="0" smtClean="0"/>
-              <a:t>Rol: </a:t>
+              <a:t>Objetivos Definidos por Rol: </a:t>
             </a:r>
             <a:r>
               <a:rPr lang="es-CO" sz="1200" dirty="0" smtClean="0"/>
-              <a:t>Establecer </a:t>
-            </a:r>
-            <a:r>
-              <a:rPr lang="es-CO" sz="1200" dirty="0" smtClean="0"/>
-              <a:t>las herramientas que se usaran en todo el proceso de desarrollo del proyecto TSP.</a:t>
+              <a:t>Establecer las herramientas que se usaran en todo el proceso de desarrollo del proyecto TSP.</a:t>
             </a:r>
             <a:br>
               <a:rPr lang="es-CO" sz="1200" dirty="0" smtClean="0"/>
@@ -17800,19 +17723,11 @@
             <a:pPr lvl="0"/>
             <a:r>
               <a:rPr lang="es-CO" sz="1200" b="1" dirty="0" smtClean="0"/>
-              <a:t>Cumplimiento de los objetivos durante el </a:t>
-            </a:r>
-            <a:r>
-              <a:rPr lang="es-CO" sz="1200" b="1" dirty="0" smtClean="0"/>
-              <a:t>ciclo: </a:t>
+              <a:t>Cumplimiento de los objetivos durante el ciclo: </a:t>
             </a:r>
             <a:r>
               <a:rPr lang="es-CO" sz="1200" dirty="0" smtClean="0"/>
-              <a:t>Se </a:t>
-            </a:r>
-            <a:r>
-              <a:rPr lang="es-CO" sz="1200" dirty="0" smtClean="0"/>
-              <a:t>continuo con el uso las herramientas previamente definidas</a:t>
+              <a:t>Se continuo con el uso las herramientas previamente definidas</a:t>
             </a:r>
             <a:br>
               <a:rPr lang="es-CO" sz="1200" dirty="0" smtClean="0"/>
@@ -17838,11 +17753,7 @@
             </a:r>
             <a:r>
               <a:rPr lang="es-CO" sz="1200" dirty="0" smtClean="0"/>
-              <a:t>Han </a:t>
-            </a:r>
-            <a:r>
-              <a:rPr lang="es-CO" sz="1200" dirty="0" smtClean="0"/>
-              <a:t>existido algunos inconvenientes con el uso del repositorio en algunos de los miembros del equipo los cuales no se han podido solucionar.</a:t>
+              <a:t>Han existido algunos inconvenientes con el uso del repositorio en algunos de los miembros del equipo los cuales no se han podido solucionar.</a:t>
             </a:r>
             <a:br>
               <a:rPr lang="es-CO" sz="1200" dirty="0" smtClean="0"/>
@@ -17876,30 +17787,18 @@
             <a:pPr lvl="0"/>
             <a:r>
               <a:rPr lang="es-CO" sz="1200" b="1" dirty="0" smtClean="0"/>
-              <a:t>Aspectos a </a:t>
-            </a:r>
-            <a:r>
-              <a:rPr lang="es-CO" sz="1200" b="1" dirty="0" smtClean="0"/>
-              <a:t>Mejorar: </a:t>
+              <a:t>Aspectos a Mejorar: </a:t>
             </a:r>
             <a:r>
               <a:rPr lang="es-CO" sz="1200" dirty="0" smtClean="0"/>
-              <a:t>Buscar </a:t>
-            </a:r>
-            <a:r>
-              <a:rPr lang="es-CO" sz="1200" dirty="0" smtClean="0"/>
-              <a:t>soluciones a los problemas de repositorio en los miembros del equipo.</a:t>
+              <a:t>Buscar soluciones a los problemas de repositorio en los miembros del equipo.</a:t>
             </a:r>
             <a:br>
               <a:rPr lang="es-CO" sz="1200" dirty="0" smtClean="0"/>
             </a:br>
             <a:r>
               <a:rPr lang="es-CO" sz="1200" dirty="0" smtClean="0"/>
-              <a:t>Investigar sobre mas herramientas que puedan incrementar el valor ganado del proyecto, así como aumentar la productividad del </a:t>
-            </a:r>
-            <a:r>
-              <a:rPr lang="es-CO" sz="1200" dirty="0" smtClean="0"/>
-              <a:t>equipo</a:t>
+              <a:t>Investigar sobre mas herramientas que puedan incrementar el valor ganado del proyecto, así como aumentar la productividad del equipo</a:t>
             </a:r>
           </a:p>
           <a:p>
@@ -17909,19 +17808,11 @@
             <a:pPr lvl="0"/>
             <a:r>
               <a:rPr lang="es-CO" sz="1200" b="1" dirty="0" smtClean="0"/>
-              <a:t>¿Qué nos faltó como grupo en este ciclo</a:t>
-            </a:r>
-            <a:r>
-              <a:rPr lang="es-CO" sz="1200" b="1" dirty="0" smtClean="0"/>
-              <a:t>?: </a:t>
+              <a:t>¿Qué nos faltó como grupo en este ciclo?: </a:t>
             </a:r>
             <a:r>
               <a:rPr lang="es-CO" sz="1200" dirty="0" smtClean="0"/>
-              <a:t>Más </a:t>
-            </a:r>
-            <a:r>
-              <a:rPr lang="es-CO" sz="1200" dirty="0" smtClean="0"/>
-              <a:t>Tiempo para poder dedicarle al proyecto</a:t>
+              <a:t>Más Tiempo para poder dedicarle al proyecto</a:t>
             </a:r>
             <a:endParaRPr lang="en-US" sz="1200" dirty="0" smtClean="0"/>
           </a:p>
@@ -17933,23 +17824,11 @@
             <a:pPr lvl="0"/>
             <a:r>
               <a:rPr lang="es-CO" sz="1200" b="1" dirty="0" smtClean="0"/>
-              <a:t>¿</a:t>
-            </a:r>
-            <a:r>
-              <a:rPr lang="es-CO" sz="1200" b="1" dirty="0" smtClean="0"/>
-              <a:t>Cómo debería ser el proceso en el próximo ciclo</a:t>
-            </a:r>
-            <a:r>
-              <a:rPr lang="es-CO" sz="1200" b="1" dirty="0" smtClean="0"/>
-              <a:t>?: </a:t>
+              <a:t>¿Cómo debería ser el proceso en el próximo ciclo?: </a:t>
             </a:r>
             <a:r>
               <a:rPr lang="es-CO" sz="1200" dirty="0" smtClean="0"/>
-              <a:t>Mas </a:t>
-            </a:r>
-            <a:r>
-              <a:rPr lang="es-CO" sz="1200" dirty="0" smtClean="0"/>
-              <a:t>organizado y más  equilibrado.</a:t>
+              <a:t>Mas organizado y más  equilibrado.</a:t>
             </a:r>
           </a:p>
           <a:p>
@@ -17959,19 +17838,11 @@
             <a:pPr lvl="0"/>
             <a:r>
               <a:rPr lang="es-CO" sz="1200" b="1" dirty="0" smtClean="0"/>
-              <a:t>¿Qué etapas fueron las más difíciles? Porqué</a:t>
-            </a:r>
-            <a:r>
-              <a:rPr lang="es-CO" sz="1200" b="1" dirty="0" smtClean="0"/>
-              <a:t>? : </a:t>
+              <a:t>¿Qué etapas fueron las más difíciles? Porqué? : </a:t>
             </a:r>
             <a:r>
               <a:rPr lang="es-CO" sz="1200" dirty="0" smtClean="0"/>
-              <a:t>La </a:t>
-            </a:r>
-            <a:r>
-              <a:rPr lang="es-CO" sz="1200" dirty="0" smtClean="0"/>
-              <a:t>realimentación del ciclo 1 puesto que existieron varios aspectos que se considero se habían desarrollado de la manera correcta, pero después de la finalización del ciclo nos percatamos que teníamos ciertos faltantes en algunos temas y que habíamos incluido otros que no eran realmente necesarios.</a:t>
+              <a:t>La realimentación del ciclo 1 puesto que existieron varios aspectos que se considero se habían desarrollado de la manera correcta, pero después de la finalización del ciclo nos percatamos que teníamos ciertos faltantes en algunos temas y que habíamos incluido otros que no eran realmente necesarios.</a:t>
             </a:r>
             <a:br>
               <a:rPr lang="es-CO" sz="1200" dirty="0" smtClean="0"/>
@@ -18000,23 +17871,11 @@
             <a:pPr lvl="0"/>
             <a:r>
               <a:rPr lang="es-CO" sz="1200" b="1" dirty="0" smtClean="0"/>
-              <a:t>¿Qué no me gustó del ciclo</a:t>
-            </a:r>
-            <a:r>
-              <a:rPr lang="es-CO" sz="1200" b="1" dirty="0" smtClean="0"/>
-              <a:t>?: </a:t>
+              <a:t>¿Qué no me gustó del ciclo?: </a:t>
             </a:r>
             <a:r>
               <a:rPr lang="es-CO" sz="1200" dirty="0" smtClean="0"/>
-              <a:t>Aparte </a:t>
-            </a:r>
-            <a:r>
-              <a:rPr lang="es-CO" sz="1200" dirty="0" smtClean="0"/>
-              <a:t>de la escasez de tiempo, el ciclo se desarrollo</a:t>
-            </a:r>
-            <a:r>
-              <a:rPr lang="es-CO" sz="1200" dirty="0" smtClean="0"/>
-              <a:t>.</a:t>
+              <a:t>Aparte de la escasez de tiempo, el ciclo se desarrollo.</a:t>
             </a:r>
             <a:r>
               <a:rPr lang="es-CO" sz="1200" b="1" dirty="0" smtClean="0"/>
@@ -18143,19 +18002,11 @@
             <a:pPr lvl="0"/>
             <a:r>
               <a:rPr lang="es-CO" sz="1200" b="1" dirty="0" smtClean="0"/>
-              <a:t>Objetivos Definidos por </a:t>
-            </a:r>
-            <a:r>
-              <a:rPr lang="es-CO" sz="1200" b="1" dirty="0" smtClean="0"/>
-              <a:t>Rol: </a:t>
+              <a:t>Objetivos Definidos por Rol: </a:t>
             </a:r>
             <a:r>
               <a:rPr lang="es-CO" sz="1200" dirty="0" smtClean="0"/>
-              <a:t> </a:t>
-            </a:r>
-            <a:r>
-              <a:rPr lang="es-CO" sz="1200" dirty="0" smtClean="0"/>
-              <a:t>Todos los miembros reportan los datos de las actividades con exactitud.</a:t>
+              <a:t> Todos los miembros reportan los datos de las actividades con exactitud.</a:t>
             </a:r>
             <a:br>
               <a:rPr lang="es-CO" sz="1200" dirty="0" smtClean="0"/>
@@ -18179,19 +18030,11 @@
             <a:pPr lvl="0"/>
             <a:r>
               <a:rPr lang="es-CO" sz="1200" b="1" dirty="0" smtClean="0"/>
-              <a:t>Cumplimiento de los objetivos durante el </a:t>
-            </a:r>
-            <a:r>
-              <a:rPr lang="es-CO" sz="1200" b="1" dirty="0" smtClean="0"/>
-              <a:t>ciclo: </a:t>
+              <a:t>Cumplimiento de los objetivos durante el ciclo: </a:t>
             </a:r>
             <a:r>
               <a:rPr lang="es-CO" sz="1200" dirty="0" smtClean="0"/>
-              <a:t>El </a:t>
-            </a:r>
-            <a:r>
-              <a:rPr lang="es-CO" sz="1200" dirty="0" smtClean="0"/>
-              <a:t>reporte de las actividades esta definido desde el ciclo uno, a través de la herramienta de formularios de Google </a:t>
+              <a:t>El reporte de las actividades esta definido desde el ciclo uno, a través de la herramienta de formularios de Google </a:t>
             </a:r>
             <a:r>
               <a:rPr lang="es-CO" sz="1200" dirty="0" err="1" smtClean="0"/>
@@ -18232,11 +18075,7 @@
             </a:r>
             <a:r>
               <a:rPr lang="es-CO" sz="1200" dirty="0" smtClean="0"/>
-              <a:t>El </a:t>
-            </a:r>
-            <a:r>
-              <a:rPr lang="es-CO" sz="1200" dirty="0" smtClean="0"/>
-              <a:t>reporte de defectos no es el más efectivo por lo que cada vez que se detecto un error no se reporto y se olvido durante el proceso.</a:t>
+              <a:t>El reporte de defectos no es el más efectivo por lo que cada vez que se detecto un error no se reporto y se olvido durante el proceso.</a:t>
             </a:r>
             <a:endParaRPr lang="en-US" sz="1200" dirty="0" smtClean="0"/>
           </a:p>
@@ -18258,19 +18097,11 @@
             <a:pPr lvl="0"/>
             <a:r>
               <a:rPr lang="es-CO" sz="1200" b="1" dirty="0" smtClean="0"/>
-              <a:t>Aspectos a </a:t>
-            </a:r>
-            <a:r>
-              <a:rPr lang="es-CO" sz="1200" b="1" dirty="0" smtClean="0"/>
-              <a:t>Mejorar: </a:t>
+              <a:t>Aspectos a Mejorar: </a:t>
             </a:r>
             <a:r>
               <a:rPr lang="es-CO" sz="1200" dirty="0" smtClean="0"/>
-              <a:t>Planificar </a:t>
-            </a:r>
-            <a:r>
-              <a:rPr lang="es-CO" sz="1200" dirty="0" smtClean="0"/>
-              <a:t>las herramientas y ser estándar para el momento de la inspección, por ejemplo tener exactamente la misma lista de chequeo.</a:t>
+              <a:t>Planificar las herramientas y ser estándar para el momento de la inspección, por ejemplo tener exactamente la misma lista de chequeo.</a:t>
             </a:r>
             <a:br>
               <a:rPr lang="es-CO" sz="1200" dirty="0" smtClean="0"/>
@@ -18284,11 +18115,7 @@
             </a:br>
             <a:r>
               <a:rPr lang="es-CO" sz="1200" dirty="0" smtClean="0"/>
-              <a:t>Definir un sistema para que cada vez que se detecte uno sea reportado fácilmente</a:t>
-            </a:r>
-            <a:r>
-              <a:rPr lang="es-CO" sz="1200" dirty="0" smtClean="0"/>
-              <a:t>.</a:t>
+              <a:t>Definir un sistema para que cada vez que se detecte uno sea reportado fácilmente.</a:t>
             </a:r>
           </a:p>
           <a:p>
@@ -18298,19 +18125,11 @@
             <a:pPr lvl="0"/>
             <a:r>
               <a:rPr lang="es-CO" sz="1200" b="1" dirty="0" smtClean="0"/>
-              <a:t>¿Qué nos faltó como grupo en este ciclo</a:t>
-            </a:r>
-            <a:r>
-              <a:rPr lang="es-CO" sz="1200" b="1" dirty="0" smtClean="0"/>
-              <a:t>?: </a:t>
+              <a:t>¿Qué nos faltó como grupo en este ciclo?: </a:t>
             </a:r>
             <a:r>
               <a:rPr lang="es-CO" sz="1200" dirty="0" smtClean="0"/>
-              <a:t>Tener </a:t>
-            </a:r>
-            <a:r>
-              <a:rPr lang="es-CO" sz="1200" dirty="0" smtClean="0"/>
-              <a:t>ideas claras de la meta y alcances en tiempo y desarrollo para el proyecto</a:t>
+              <a:t>Tener ideas claras de la meta y alcances en tiempo y desarrollo para el proyecto</a:t>
             </a:r>
           </a:p>
           <a:p>
@@ -18320,11 +18139,7 @@
             <a:pPr lvl="0"/>
             <a:r>
               <a:rPr lang="es-CO" sz="1200" b="1" dirty="0" smtClean="0"/>
-              <a:t>¿Cómo debería ser el proceso en el próximo </a:t>
-            </a:r>
-            <a:r>
-              <a:rPr lang="es-CO" sz="1200" b="1" dirty="0" smtClean="0"/>
-              <a:t>ciclo?</a:t>
+              <a:t>¿Cómo debería ser el proceso en el próximo ciclo?</a:t>
             </a:r>
             <a:r>
               <a:rPr lang="en-US" sz="1200" b="1" dirty="0" smtClean="0"/>
@@ -18332,11 +18147,7 @@
             </a:r>
             <a:r>
               <a:rPr lang="es-CO" sz="1200" dirty="0" smtClean="0"/>
-              <a:t>Tener </a:t>
-            </a:r>
-            <a:r>
-              <a:rPr lang="es-CO" sz="1200" dirty="0" smtClean="0"/>
-              <a:t>las tareas un poco más específicas.</a:t>
+              <a:t>Tener las tareas un poco más específicas.</a:t>
             </a:r>
           </a:p>
           <a:p>
@@ -18346,19 +18157,11 @@
             <a:pPr lvl="0"/>
             <a:r>
               <a:rPr lang="es-CO" sz="1200" b="1" dirty="0" smtClean="0"/>
-              <a:t>¿Qué etapas fueron las más difíciles? Porqué</a:t>
-            </a:r>
-            <a:r>
-              <a:rPr lang="es-CO" sz="1200" b="1" dirty="0" smtClean="0"/>
-              <a:t>?: </a:t>
+              <a:t>¿Qué etapas fueron las más difíciles? Porqué?: </a:t>
             </a:r>
             <a:r>
               <a:rPr lang="es-CO" sz="1200" dirty="0" smtClean="0"/>
-              <a:t>Desarrollo</a:t>
-            </a:r>
-            <a:r>
-              <a:rPr lang="es-CO" sz="1200" dirty="0" smtClean="0"/>
-              <a:t>. Porque es difícil establecer y tratar de seguir fielmente el desarrollo del plan, ya que cada uno tiene una forma de trabajar diferente y los tiempos no son constantes</a:t>
+              <a:t>Desarrollo. Porque es difícil establecer y tratar de seguir fielmente el desarrollo del plan, ya que cada uno tiene una forma de trabajar diferente y los tiempos no son constantes</a:t>
             </a:r>
           </a:p>
           <a:p>
@@ -18368,19 +18171,11 @@
             <a:pPr lvl="0"/>
             <a:r>
               <a:rPr lang="es-CO" sz="1200" b="1" dirty="0" smtClean="0"/>
-              <a:t>¿Qué no me gustó del ciclo</a:t>
-            </a:r>
-            <a:r>
-              <a:rPr lang="es-CO" sz="1200" b="1" dirty="0" smtClean="0"/>
-              <a:t>?: </a:t>
+              <a:t>¿Qué no me gustó del ciclo?: </a:t>
             </a:r>
             <a:r>
               <a:rPr lang="es-CO" sz="1200" dirty="0" smtClean="0"/>
-              <a:t>La </a:t>
-            </a:r>
-            <a:r>
-              <a:rPr lang="es-CO" sz="1200" dirty="0" smtClean="0"/>
-              <a:t>etapa de inspección y </a:t>
+              <a:t>La etapa de inspección y </a:t>
             </a:r>
             <a:r>
               <a:rPr lang="es-CO" sz="1200" dirty="0" err="1" smtClean="0"/>
@@ -18559,8 +18354,13 @@
           <a:p>
             <a:r>
               <a:rPr lang="es-CO" sz="1200" dirty="0" smtClean="0"/>
-              <a:t>Se cumplieron los objetivos para el ciclo dos a excepción de la implementación de las pruebas en su totalidad.</a:t>
+              <a:t>Se cumplieron los objetivos para el ciclo </a:t>
             </a:r>
+            <a:r>
+              <a:rPr lang="es-CO" sz="1200" dirty="0" smtClean="0"/>
+              <a:t>dos.</a:t>
+            </a:r>
+            <a:endParaRPr lang="es-CO" sz="1200" dirty="0" smtClean="0"/>
           </a:p>
           <a:p>
             <a:endParaRPr lang="en-US" sz="1200" dirty="0" smtClean="0"/>
@@ -18576,8 +18376,9 @@
           <a:p>
             <a:r>
               <a:rPr lang="es-CO" sz="1200" dirty="0" smtClean="0"/>
-              <a:t>Faltó implementación de pruebas unitarias en su totalidad.</a:t>
+              <a:t>Retraso en el tiempo por disponibilidad de los integrantes.</a:t>
             </a:r>
+            <a:endParaRPr lang="es-CO" sz="1200" dirty="0" smtClean="0"/>
           </a:p>
           <a:p>
             <a:endParaRPr lang="en-US" sz="1200" dirty="0" smtClean="0"/>
@@ -18592,11 +18393,7 @@
           <a:p>
             <a:r>
               <a:rPr lang="es-CO" sz="1200" dirty="0" smtClean="0"/>
-              <a:t>Distribución de la carga de trabajo</a:t>
-            </a:r>
-            <a:r>
-              <a:rPr lang="es-CO" sz="1200" dirty="0" smtClean="0"/>
-              <a:t>.</a:t>
+              <a:t>Distribución de la carga de trabajo.</a:t>
             </a:r>
           </a:p>
           <a:p>
@@ -18679,11 +18476,7 @@
           <a:p>
             <a:r>
               <a:rPr lang="es-CO" sz="1200" dirty="0" smtClean="0"/>
-              <a:t>Falta de tiempo para realizar el ciclo de una manera más </a:t>
-            </a:r>
-            <a:r>
-              <a:rPr lang="es-CO" sz="1200" dirty="0" smtClean="0"/>
-              <a:t>ordenada</a:t>
+              <a:t>Falta de tiempo para realizar el ciclo de una manera más ordenada</a:t>
             </a:r>
             <a:endParaRPr lang="en-US" sz="1200" dirty="0" smtClean="0"/>
           </a:p>
@@ -18876,7 +18669,7 @@
           <p:nvPr/>
         </p:nvPicPr>
         <p:blipFill>
-          <a:blip r:embed="rId6" cstate="print"/>
+          <a:blip r:embed="rId7" cstate="print"/>
           <a:stretch>
             <a:fillRect/>
           </a:stretch>
@@ -18977,7 +18770,7 @@
           <p:nvPr/>
         </p:nvPicPr>
         <p:blipFill>
-          <a:blip r:embed="rId6" cstate="print"/>
+          <a:blip r:embed="rId7" cstate="print"/>
           <a:stretch>
             <a:fillRect/>
           </a:stretch>
@@ -19092,7 +18885,6 @@
               <a:rPr lang="es-CO" sz="1600" dirty="0" smtClean="0"/>
               <a:t>Inspección</a:t>
             </a:r>
-            <a:endParaRPr lang="es-CO" sz="1600" dirty="0" smtClean="0"/>
           </a:p>
           <a:p>
             <a:pPr lvl="1" algn="just"/>
@@ -33809,7 +33601,7 @@
                         </a:spcAft>
                       </a:pPr>
                       <a:r>
-                        <a:rPr lang="es-ES" sz="1200">
+                        <a:rPr lang="es-ES" sz="1200" dirty="0">
                           <a:solidFill>
                             <a:srgbClr val="000000"/>
                           </a:solidFill>
@@ -33818,7 +33610,7 @@
                         </a:rPr>
                         <a:t>5</a:t>
                       </a:r>
-                      <a:endParaRPr lang="es-CO" sz="1200">
+                      <a:endParaRPr lang="es-CO" sz="1200" dirty="0">
                         <a:solidFill>
                           <a:srgbClr val="000000"/>
                         </a:solidFill>
@@ -35542,7 +35334,7 @@
                         </a:spcAft>
                       </a:pPr>
                       <a:r>
-                        <a:rPr lang="es-ES" sz="1200">
+                        <a:rPr lang="es-ES" sz="1200" dirty="0">
                           <a:solidFill>
                             <a:srgbClr val="000000"/>
                           </a:solidFill>
@@ -35551,7 +35343,7 @@
                         </a:rPr>
                         <a:t>5</a:t>
                       </a:r>
-                      <a:endParaRPr lang="es-CO" sz="1200">
+                      <a:endParaRPr lang="es-CO" sz="1200" dirty="0">
                         <a:solidFill>
                           <a:srgbClr val="000000"/>
                         </a:solidFill>
@@ -35751,7 +35543,7 @@
                         </a:spcAft>
                       </a:pPr>
                       <a:r>
-                        <a:rPr lang="es-ES" sz="1200">
+                        <a:rPr lang="es-ES" sz="1200" dirty="0">
                           <a:solidFill>
                             <a:srgbClr val="000000"/>
                           </a:solidFill>
@@ -35760,7 +35552,7 @@
                         </a:rPr>
                         <a:t>4</a:t>
                       </a:r>
-                      <a:endParaRPr lang="es-CO" sz="1200">
+                      <a:endParaRPr lang="es-CO" sz="1200" dirty="0">
                         <a:solidFill>
                           <a:srgbClr val="000000"/>
                         </a:solidFill>
@@ -36587,7 +36379,18 @@
                           <a:ea typeface="Arial"/>
                           <a:cs typeface="Calibri" pitchFamily="34" charset="0"/>
                         </a:rPr>
-                        <a:t>M1:</a:t>
+                        <a:t>M1:No cumplido</a:t>
+                      </a:r>
+                      <a:r>
+                        <a:rPr lang="es-CO" sz="1200" baseline="0" dirty="0" smtClean="0">
+                          <a:solidFill>
+                            <a:srgbClr val="000000"/>
+                          </a:solidFill>
+                          <a:latin typeface="Calibri" pitchFamily="34" charset="0"/>
+                          <a:ea typeface="Arial"/>
+                          <a:cs typeface="Calibri" pitchFamily="34" charset="0"/>
+                        </a:rPr>
+                        <a:t>, se encontró el 61,25% errores planeados.</a:t>
                       </a:r>
                       <a:endParaRPr lang="en-US" sz="1200" dirty="0">
                         <a:solidFill>
@@ -37333,7 +37136,29 @@
                           <a:ea typeface="Arial"/>
                           <a:cs typeface="Calibri" pitchFamily="34" charset="0"/>
                         </a:rPr>
-                        <a:t>M6: Cumplido, 100% de las actividades completadas</a:t>
+                        <a:t>M6: Cumplido, </a:t>
+                      </a:r>
+                      <a:r>
+                        <a:rPr lang="es-CO" sz="1200" dirty="0" smtClean="0">
+                          <a:solidFill>
+                            <a:srgbClr val="000000"/>
+                          </a:solidFill>
+                          <a:latin typeface="Calibri" pitchFamily="34" charset="0"/>
+                          <a:ea typeface="Arial"/>
+                          <a:cs typeface="Calibri" pitchFamily="34" charset="0"/>
+                        </a:rPr>
+                        <a:t>100% </a:t>
+                      </a:r>
+                      <a:r>
+                        <a:rPr lang="es-CO" sz="1200" dirty="0" smtClean="0">
+                          <a:solidFill>
+                            <a:srgbClr val="000000"/>
+                          </a:solidFill>
+                          <a:latin typeface="Calibri" pitchFamily="34" charset="0"/>
+                          <a:ea typeface="Arial"/>
+                          <a:cs typeface="Calibri" pitchFamily="34" charset="0"/>
+                        </a:rPr>
+                        <a:t>de las actividades completadas</a:t>
                       </a:r>
                       <a:endParaRPr lang="es-CO" sz="1200" dirty="0">
                         <a:solidFill>
